--- a/Week3/Cơ chế khóa trong Java.pptx
+++ b/Week3/Cơ chế khóa trong Java.pptx
@@ -12,20 +12,22 @@
     <p:sldId id="274" r:id="rId6"/>
     <p:sldId id="259" r:id="rId7"/>
     <p:sldId id="260" r:id="rId8"/>
-    <p:sldId id="275" r:id="rId9"/>
-    <p:sldId id="261" r:id="rId10"/>
-    <p:sldId id="262" r:id="rId11"/>
-    <p:sldId id="263" r:id="rId12"/>
-    <p:sldId id="264" r:id="rId13"/>
-    <p:sldId id="265" r:id="rId14"/>
-    <p:sldId id="266" r:id="rId15"/>
-    <p:sldId id="267" r:id="rId16"/>
-    <p:sldId id="268" r:id="rId17"/>
-    <p:sldId id="276" r:id="rId18"/>
-    <p:sldId id="269" r:id="rId19"/>
-    <p:sldId id="270" r:id="rId20"/>
-    <p:sldId id="271" r:id="rId21"/>
-    <p:sldId id="272" r:id="rId22"/>
+    <p:sldId id="277" r:id="rId9"/>
+    <p:sldId id="278" r:id="rId10"/>
+    <p:sldId id="275" r:id="rId11"/>
+    <p:sldId id="261" r:id="rId12"/>
+    <p:sldId id="262" r:id="rId13"/>
+    <p:sldId id="263" r:id="rId14"/>
+    <p:sldId id="264" r:id="rId15"/>
+    <p:sldId id="265" r:id="rId16"/>
+    <p:sldId id="266" r:id="rId17"/>
+    <p:sldId id="267" r:id="rId18"/>
+    <p:sldId id="268" r:id="rId19"/>
+    <p:sldId id="276" r:id="rId20"/>
+    <p:sldId id="269" r:id="rId21"/>
+    <p:sldId id="270" r:id="rId22"/>
+    <p:sldId id="271" r:id="rId23"/>
+    <p:sldId id="272" r:id="rId24"/>
   </p:sldIdLst>
   <p:sldSz cx="12192000" cy="6858000"/>
   <p:notesSz cx="6858000" cy="9144000"/>
@@ -3506,6 +3508,311 @@
           <p:cNvPr id="2" name="Title 1">
             <a:extLst>
               <a:ext uri="{FF2B5EF4-FFF2-40B4-BE49-F238E27FC236}">
+                <a16:creationId xmlns:a16="http://schemas.microsoft.com/office/drawing/2014/main" id="{1E9CA9C3-BEC4-D815-E66E-8F88C8EF6E8B}"/>
+              </a:ext>
+            </a:extLst>
+          </p:cNvPr>
+          <p:cNvSpPr>
+            <a:spLocks noGrp="1"/>
+          </p:cNvSpPr>
+          <p:nvPr>
+            <p:ph type="title"/>
+          </p:nvPr>
+        </p:nvSpPr>
+        <p:spPr/>
+        <p:txBody>
+          <a:bodyPr/>
+          <a:lstStyle/>
+          <a:p>
+            <a:r>
+              <a:rPr lang="en-US" dirty="0"/>
+              <a:t>3. Lock</a:t>
+            </a:r>
+          </a:p>
+        </p:txBody>
+      </p:sp>
+      <p:sp>
+        <p:nvSpPr>
+          <p:cNvPr id="3" name="Text Placeholder 2">
+            <a:extLst>
+              <a:ext uri="{FF2B5EF4-FFF2-40B4-BE49-F238E27FC236}">
+                <a16:creationId xmlns:a16="http://schemas.microsoft.com/office/drawing/2014/main" id="{535C6409-B1EB-1289-3F35-AD76A8B24599}"/>
+              </a:ext>
+            </a:extLst>
+          </p:cNvPr>
+          <p:cNvSpPr>
+            <a:spLocks noGrp="1"/>
+          </p:cNvSpPr>
+          <p:nvPr>
+            <p:ph type="body" idx="1"/>
+          </p:nvPr>
+        </p:nvSpPr>
+        <p:spPr/>
+        <p:txBody>
+          <a:bodyPr/>
+          <a:lstStyle/>
+          <a:p>
+            <a:endParaRPr lang="en-US"/>
+          </a:p>
+        </p:txBody>
+      </p:sp>
+    </p:spTree>
+    <p:extLst>
+      <p:ext uri="{BB962C8B-B14F-4D97-AF65-F5344CB8AC3E}">
+        <p14:creationId xmlns:p14="http://schemas.microsoft.com/office/powerpoint/2010/main" val="2355218128"/>
+      </p:ext>
+    </p:extLst>
+  </p:cSld>
+  <p:clrMapOvr>
+    <a:masterClrMapping/>
+  </p:clrMapOvr>
+</p:sld>
+</file>
+
+<file path=ppt/slides/slide11.xml><?xml version="1.0" encoding="utf-8"?>
+<p:sld xmlns:a="http://schemas.openxmlformats.org/drawingml/2006/main" xmlns:r="http://schemas.openxmlformats.org/officeDocument/2006/relationships" xmlns:p="http://schemas.openxmlformats.org/presentationml/2006/main">
+  <p:cSld>
+    <p:spTree>
+      <p:nvGrpSpPr>
+        <p:cNvPr id="1" name=""/>
+        <p:cNvGrpSpPr/>
+        <p:nvPr/>
+      </p:nvGrpSpPr>
+      <p:grpSpPr>
+        <a:xfrm>
+          <a:off x="0" y="0"/>
+          <a:ext cx="0" cy="0"/>
+          <a:chOff x="0" y="0"/>
+          <a:chExt cx="0" cy="0"/>
+        </a:xfrm>
+      </p:grpSpPr>
+      <p:sp>
+        <p:nvSpPr>
+          <p:cNvPr id="2" name="Title 1">
+            <a:extLst>
+              <a:ext uri="{FF2B5EF4-FFF2-40B4-BE49-F238E27FC236}">
+                <a16:creationId xmlns:a16="http://schemas.microsoft.com/office/drawing/2014/main" id="{61CE230B-BA44-CF0A-0C65-929D2A315699}"/>
+              </a:ext>
+            </a:extLst>
+          </p:cNvPr>
+          <p:cNvSpPr>
+            <a:spLocks noGrp="1"/>
+          </p:cNvSpPr>
+          <p:nvPr>
+            <p:ph type="title"/>
+          </p:nvPr>
+        </p:nvSpPr>
+        <p:spPr/>
+        <p:txBody>
+          <a:bodyPr/>
+          <a:lstStyle/>
+          <a:p>
+            <a:r>
+              <a:rPr lang="en-US" dirty="0"/>
+              <a:t>3. Lock</a:t>
+            </a:r>
+          </a:p>
+        </p:txBody>
+      </p:sp>
+      <p:sp>
+        <p:nvSpPr>
+          <p:cNvPr id="3" name="Content Placeholder 2">
+            <a:extLst>
+              <a:ext uri="{FF2B5EF4-FFF2-40B4-BE49-F238E27FC236}">
+                <a16:creationId xmlns:a16="http://schemas.microsoft.com/office/drawing/2014/main" id="{C9F3C6E8-E0C6-99DB-82D4-9656944A0226}"/>
+              </a:ext>
+            </a:extLst>
+          </p:cNvPr>
+          <p:cNvSpPr>
+            <a:spLocks noGrp="1"/>
+          </p:cNvSpPr>
+          <p:nvPr>
+            <p:ph idx="1"/>
+          </p:nvPr>
+        </p:nvSpPr>
+        <p:spPr/>
+        <p:txBody>
+          <a:bodyPr/>
+          <a:lstStyle/>
+          <a:p>
+            <a:r>
+              <a:rPr lang="en-US" dirty="0"/>
+              <a:t>Lock </a:t>
+            </a:r>
+            <a:r>
+              <a:rPr lang="en-US" dirty="0" err="1"/>
+              <a:t>giúp</a:t>
+            </a:r>
+            <a:r>
+              <a:rPr lang="en-US" dirty="0"/>
+              <a:t> </a:t>
+            </a:r>
+            <a:r>
+              <a:rPr lang="en-US" dirty="0" err="1"/>
+              <a:t>quản</a:t>
+            </a:r>
+            <a:r>
+              <a:rPr lang="en-US" dirty="0"/>
+              <a:t> </a:t>
+            </a:r>
+            <a:r>
+              <a:rPr lang="en-US" dirty="0" err="1"/>
+              <a:t>lí</a:t>
+            </a:r>
+            <a:r>
+              <a:rPr lang="en-US" dirty="0"/>
+              <a:t> </a:t>
+            </a:r>
+            <a:r>
+              <a:rPr lang="en-US" dirty="0" err="1"/>
+              <a:t>tài</a:t>
+            </a:r>
+            <a:r>
+              <a:rPr lang="en-US" dirty="0"/>
+              <a:t> </a:t>
+            </a:r>
+            <a:r>
+              <a:rPr lang="en-US" dirty="0" err="1"/>
+              <a:t>nguyên</a:t>
+            </a:r>
+            <a:r>
+              <a:rPr lang="en-US" dirty="0"/>
+              <a:t> </a:t>
+            </a:r>
+            <a:r>
+              <a:rPr lang="en-US" dirty="0" err="1"/>
+              <a:t>sử</a:t>
+            </a:r>
+            <a:r>
+              <a:rPr lang="en-US" dirty="0"/>
+              <a:t> </a:t>
+            </a:r>
+            <a:r>
+              <a:rPr lang="en-US" dirty="0" err="1"/>
+              <a:t>dụng</a:t>
+            </a:r>
+            <a:r>
+              <a:rPr lang="en-US" dirty="0"/>
+              <a:t> </a:t>
+            </a:r>
+            <a:r>
+              <a:rPr lang="en-US" dirty="0" err="1"/>
+              <a:t>giữa</a:t>
+            </a:r>
+            <a:r>
+              <a:rPr lang="en-US" dirty="0"/>
+              <a:t> </a:t>
+            </a:r>
+            <a:r>
+              <a:rPr lang="en-US" dirty="0" err="1"/>
+              <a:t>các</a:t>
+            </a:r>
+            <a:r>
+              <a:rPr lang="en-US" dirty="0"/>
+              <a:t> </a:t>
+            </a:r>
+            <a:r>
+              <a:rPr lang="en-US" dirty="0" err="1"/>
+              <a:t>luồng</a:t>
+            </a:r>
+            <a:r>
+              <a:rPr lang="en-US" dirty="0"/>
+              <a:t>. </a:t>
+            </a:r>
+            <a:r>
+              <a:rPr lang="en-US" dirty="0" err="1"/>
+              <a:t>Một</a:t>
+            </a:r>
+            <a:r>
+              <a:rPr lang="en-US" dirty="0"/>
+              <a:t> </a:t>
+            </a:r>
+            <a:r>
+              <a:rPr lang="en-US" dirty="0" err="1"/>
+              <a:t>số</a:t>
+            </a:r>
+            <a:r>
+              <a:rPr lang="en-US" dirty="0"/>
+              <a:t> </a:t>
+            </a:r>
+            <a:r>
+              <a:rPr lang="en-US" dirty="0" err="1"/>
+              <a:t>loại</a:t>
+            </a:r>
+            <a:r>
+              <a:rPr lang="en-US" dirty="0"/>
+              <a:t> lock </a:t>
+            </a:r>
+            <a:r>
+              <a:rPr lang="en-US" dirty="0" err="1"/>
+              <a:t>chính</a:t>
+            </a:r>
+            <a:r>
+              <a:rPr lang="en-US" dirty="0"/>
+              <a:t>: </a:t>
+            </a:r>
+            <a:r>
+              <a:rPr lang="en-US" dirty="0" err="1"/>
+              <a:t>ReentryLock</a:t>
+            </a:r>
+            <a:r>
+              <a:rPr lang="en-US" dirty="0"/>
+              <a:t>, </a:t>
+            </a:r>
+            <a:r>
+              <a:rPr lang="en-US" dirty="0" err="1"/>
+              <a:t>ReadWriteLock</a:t>
+            </a:r>
+            <a:r>
+              <a:rPr lang="en-US" dirty="0"/>
+              <a:t>, </a:t>
+            </a:r>
+            <a:r>
+              <a:rPr lang="en-US" dirty="0" err="1"/>
+              <a:t>StempedLock</a:t>
+            </a:r>
+            <a:r>
+              <a:rPr lang="en-US" dirty="0"/>
+              <a:t>, Semaphore.</a:t>
+            </a:r>
+          </a:p>
+        </p:txBody>
+      </p:sp>
+    </p:spTree>
+    <p:extLst>
+      <p:ext uri="{BB962C8B-B14F-4D97-AF65-F5344CB8AC3E}">
+        <p14:creationId xmlns:p14="http://schemas.microsoft.com/office/powerpoint/2010/main" val="4268202673"/>
+      </p:ext>
+    </p:extLst>
+  </p:cSld>
+  <p:clrMapOvr>
+    <a:masterClrMapping/>
+  </p:clrMapOvr>
+</p:sld>
+</file>
+
+<file path=ppt/slides/slide12.xml><?xml version="1.0" encoding="utf-8"?>
+<p:sld xmlns:a="http://schemas.openxmlformats.org/drawingml/2006/main" xmlns:r="http://schemas.openxmlformats.org/officeDocument/2006/relationships" xmlns:p="http://schemas.openxmlformats.org/presentationml/2006/main">
+  <p:cSld>
+    <p:spTree>
+      <p:nvGrpSpPr>
+        <p:cNvPr id="1" name=""/>
+        <p:cNvGrpSpPr/>
+        <p:nvPr/>
+      </p:nvGrpSpPr>
+      <p:grpSpPr>
+        <a:xfrm>
+          <a:off x="0" y="0"/>
+          <a:ext cx="0" cy="0"/>
+          <a:chOff x="0" y="0"/>
+          <a:chExt cx="0" cy="0"/>
+        </a:xfrm>
+      </p:grpSpPr>
+      <p:sp>
+        <p:nvSpPr>
+          <p:cNvPr id="2" name="Title 1">
+            <a:extLst>
+              <a:ext uri="{FF2B5EF4-FFF2-40B4-BE49-F238E27FC236}">
                 <a16:creationId xmlns:a16="http://schemas.microsoft.com/office/drawing/2014/main" id="{7FDF9E96-021C-C0E8-61F4-533BD928F462}"/>
               </a:ext>
             </a:extLst>
@@ -4161,7 +4468,7 @@
 </p:sld>
 </file>
 
-<file path=ppt/slides/slide11.xml><?xml version="1.0" encoding="utf-8"?>
+<file path=ppt/slides/slide13.xml><?xml version="1.0" encoding="utf-8"?>
 <p:sld xmlns:a="http://schemas.openxmlformats.org/drawingml/2006/main" xmlns:r="http://schemas.openxmlformats.org/officeDocument/2006/relationships" xmlns:p="http://schemas.openxmlformats.org/presentationml/2006/main">
   <p:cSld>
     <p:spTree>
@@ -4712,7 +5019,7 @@
 </p:sld>
 </file>
 
-<file path=ppt/slides/slide12.xml><?xml version="1.0" encoding="utf-8"?>
+<file path=ppt/slides/slide14.xml><?xml version="1.0" encoding="utf-8"?>
 <p:sld xmlns:a="http://schemas.openxmlformats.org/drawingml/2006/main" xmlns:r="http://schemas.openxmlformats.org/officeDocument/2006/relationships" xmlns:p="http://schemas.openxmlformats.org/presentationml/2006/main">
   <p:cSld>
     <p:bg>
@@ -5324,7 +5631,7 @@
 </p:sld>
 </file>
 
-<file path=ppt/slides/slide13.xml><?xml version="1.0" encoding="utf-8"?>
+<file path=ppt/slides/slide15.xml><?xml version="1.0" encoding="utf-8"?>
 <p:sld xmlns:a="http://schemas.openxmlformats.org/drawingml/2006/main" xmlns:r="http://schemas.openxmlformats.org/officeDocument/2006/relationships" xmlns:p="http://schemas.openxmlformats.org/presentationml/2006/main">
   <p:cSld>
     <p:spTree>
@@ -5718,7 +6025,7 @@
 </p:sld>
 </file>
 
-<file path=ppt/slides/slide14.xml><?xml version="1.0" encoding="utf-8"?>
+<file path=ppt/slides/slide16.xml><?xml version="1.0" encoding="utf-8"?>
 <p:sld xmlns:a="http://schemas.openxmlformats.org/drawingml/2006/main" xmlns:r="http://schemas.openxmlformats.org/officeDocument/2006/relationships" xmlns:p="http://schemas.openxmlformats.org/presentationml/2006/main">
   <p:cSld>
     <p:spTree>
@@ -6036,7 +6343,7 @@
 </p:sld>
 </file>
 
-<file path=ppt/slides/slide15.xml><?xml version="1.0" encoding="utf-8"?>
+<file path=ppt/slides/slide17.xml><?xml version="1.0" encoding="utf-8"?>
 <p:sld xmlns:a="http://schemas.openxmlformats.org/drawingml/2006/main" xmlns:r="http://schemas.openxmlformats.org/officeDocument/2006/relationships" xmlns:p="http://schemas.openxmlformats.org/presentationml/2006/main">
   <p:cSld>
     <p:spTree>
@@ -6759,7 +7066,7 @@
 </p:sld>
 </file>
 
-<file path=ppt/slides/slide16.xml><?xml version="1.0" encoding="utf-8"?>
+<file path=ppt/slides/slide18.xml><?xml version="1.0" encoding="utf-8"?>
 <p:sld xmlns:a="http://schemas.openxmlformats.org/drawingml/2006/main" xmlns:r="http://schemas.openxmlformats.org/officeDocument/2006/relationships" xmlns:p="http://schemas.openxmlformats.org/presentationml/2006/main">
   <p:cSld>
     <p:spTree>
@@ -6846,7 +7153,7 @@
 </p:sld>
 </file>
 
-<file path=ppt/slides/slide17.xml><?xml version="1.0" encoding="utf-8"?>
+<file path=ppt/slides/slide19.xml><?xml version="1.0" encoding="utf-8"?>
 <p:sld xmlns:a="http://schemas.openxmlformats.org/drawingml/2006/main" xmlns:r="http://schemas.openxmlformats.org/officeDocument/2006/relationships" xmlns:p="http://schemas.openxmlformats.org/presentationml/2006/main">
   <p:cSld>
     <p:spTree>
@@ -6976,1270 +7283,6 @@
     <p:extLst>
       <p:ext uri="{BB962C8B-B14F-4D97-AF65-F5344CB8AC3E}">
         <p14:creationId xmlns:p14="http://schemas.microsoft.com/office/powerpoint/2010/main" val="3291485735"/>
-      </p:ext>
-    </p:extLst>
-  </p:cSld>
-  <p:clrMapOvr>
-    <a:masterClrMapping/>
-  </p:clrMapOvr>
-</p:sld>
-</file>
-
-<file path=ppt/slides/slide18.xml><?xml version="1.0" encoding="utf-8"?>
-<p:sld xmlns:a="http://schemas.openxmlformats.org/drawingml/2006/main" xmlns:r="http://schemas.openxmlformats.org/officeDocument/2006/relationships" xmlns:p="http://schemas.openxmlformats.org/presentationml/2006/main">
-  <p:cSld>
-    <p:spTree>
-      <p:nvGrpSpPr>
-        <p:cNvPr id="1" name=""/>
-        <p:cNvGrpSpPr/>
-        <p:nvPr/>
-      </p:nvGrpSpPr>
-      <p:grpSpPr>
-        <a:xfrm>
-          <a:off x="0" y="0"/>
-          <a:ext cx="0" cy="0"/>
-          <a:chOff x="0" y="0"/>
-          <a:chExt cx="0" cy="0"/>
-        </a:xfrm>
-      </p:grpSpPr>
-      <p:sp>
-        <p:nvSpPr>
-          <p:cNvPr id="2" name="Title 1">
-            <a:extLst>
-              <a:ext uri="{FF2B5EF4-FFF2-40B4-BE49-F238E27FC236}">
-                <a16:creationId xmlns:a16="http://schemas.microsoft.com/office/drawing/2014/main" id="{DBB82965-8335-DD80-C4DA-32A9420FF163}"/>
-              </a:ext>
-            </a:extLst>
-          </p:cNvPr>
-          <p:cNvSpPr>
-            <a:spLocks noGrp="1"/>
-          </p:cNvSpPr>
-          <p:nvPr>
-            <p:ph type="title"/>
-          </p:nvPr>
-        </p:nvSpPr>
-        <p:spPr/>
-        <p:txBody>
-          <a:bodyPr/>
-          <a:lstStyle/>
-          <a:p>
-            <a:r>
-              <a:rPr lang="en-US" dirty="0"/>
-              <a:t>4.1 Death Lock</a:t>
-            </a:r>
-          </a:p>
-        </p:txBody>
-      </p:sp>
-      <p:sp>
-        <p:nvSpPr>
-          <p:cNvPr id="3" name="Content Placeholder 2">
-            <a:extLst>
-              <a:ext uri="{FF2B5EF4-FFF2-40B4-BE49-F238E27FC236}">
-                <a16:creationId xmlns:a16="http://schemas.microsoft.com/office/drawing/2014/main" id="{A44DE2A1-C852-34D4-443E-C5D7C4B1F3C7}"/>
-              </a:ext>
-            </a:extLst>
-          </p:cNvPr>
-          <p:cNvSpPr>
-            <a:spLocks noGrp="1"/>
-          </p:cNvSpPr>
-          <p:nvPr>
-            <p:ph idx="1"/>
-          </p:nvPr>
-        </p:nvSpPr>
-        <p:spPr/>
-        <p:txBody>
-          <a:bodyPr/>
-          <a:lstStyle/>
-          <a:p>
-            <a:r>
-              <a:rPr lang="en-US" dirty="0"/>
-              <a:t>Death Lock </a:t>
-            </a:r>
-            <a:r>
-              <a:rPr lang="en-US" dirty="0" err="1"/>
-              <a:t>là</a:t>
-            </a:r>
-            <a:r>
-              <a:rPr lang="en-US" dirty="0"/>
-              <a:t> </a:t>
-            </a:r>
-            <a:r>
-              <a:rPr lang="en-US" dirty="0" err="1"/>
-              <a:t>hiện</a:t>
-            </a:r>
-            <a:r>
-              <a:rPr lang="en-US" dirty="0"/>
-              <a:t> </a:t>
-            </a:r>
-            <a:r>
-              <a:rPr lang="en-US" dirty="0" err="1"/>
-              <a:t>tượng</a:t>
-            </a:r>
-            <a:r>
-              <a:rPr lang="en-US" dirty="0"/>
-              <a:t> </a:t>
-            </a:r>
-            <a:r>
-              <a:rPr lang="en-US" dirty="0" err="1"/>
-              <a:t>nhiều</a:t>
-            </a:r>
-            <a:r>
-              <a:rPr lang="en-US" dirty="0"/>
-              <a:t> </a:t>
-            </a:r>
-            <a:r>
-              <a:rPr lang="en-US" dirty="0" err="1"/>
-              <a:t>luồng</a:t>
-            </a:r>
-            <a:r>
-              <a:rPr lang="en-US" dirty="0"/>
-              <a:t> </a:t>
-            </a:r>
-            <a:r>
-              <a:rPr lang="en-US" dirty="0" err="1"/>
-              <a:t>cần</a:t>
-            </a:r>
-            <a:r>
-              <a:rPr lang="en-US" dirty="0"/>
-              <a:t> </a:t>
-            </a:r>
-            <a:r>
-              <a:rPr lang="en-US" dirty="0" err="1"/>
-              <a:t>đợi</a:t>
-            </a:r>
-            <a:r>
-              <a:rPr lang="en-US" dirty="0"/>
-              <a:t> </a:t>
-            </a:r>
-            <a:r>
-              <a:rPr lang="en-US" dirty="0" err="1"/>
-              <a:t>tài</a:t>
-            </a:r>
-            <a:r>
-              <a:rPr lang="en-US" dirty="0"/>
-              <a:t> </a:t>
-            </a:r>
-            <a:r>
-              <a:rPr lang="en-US" dirty="0" err="1"/>
-              <a:t>nguyên</a:t>
-            </a:r>
-            <a:r>
-              <a:rPr lang="en-US" dirty="0"/>
-              <a:t> </a:t>
-            </a:r>
-            <a:r>
-              <a:rPr lang="en-US" dirty="0" err="1"/>
-              <a:t>từ</a:t>
-            </a:r>
-            <a:r>
-              <a:rPr lang="en-US" dirty="0"/>
-              <a:t> </a:t>
-            </a:r>
-            <a:r>
-              <a:rPr lang="en-US" dirty="0" err="1"/>
-              <a:t>luồng</a:t>
-            </a:r>
-            <a:r>
-              <a:rPr lang="en-US" dirty="0"/>
-              <a:t> </a:t>
-            </a:r>
-            <a:r>
-              <a:rPr lang="en-US" dirty="0" err="1"/>
-              <a:t>khác</a:t>
-            </a:r>
-            <a:r>
-              <a:rPr lang="en-US" dirty="0"/>
-              <a:t>, </a:t>
-            </a:r>
-            <a:r>
-              <a:rPr lang="en-US" dirty="0" err="1"/>
-              <a:t>dẫn</a:t>
-            </a:r>
-            <a:r>
-              <a:rPr lang="en-US" dirty="0"/>
-              <a:t> </a:t>
-            </a:r>
-            <a:r>
-              <a:rPr lang="en-US" dirty="0" err="1"/>
-              <a:t>tới</a:t>
-            </a:r>
-            <a:r>
-              <a:rPr lang="en-US" dirty="0"/>
-              <a:t> </a:t>
-            </a:r>
-            <a:r>
-              <a:rPr lang="en-US" dirty="0" err="1"/>
-              <a:t>tình</a:t>
-            </a:r>
-            <a:r>
-              <a:rPr lang="en-US" dirty="0"/>
-              <a:t> </a:t>
-            </a:r>
-            <a:r>
-              <a:rPr lang="en-US" dirty="0" err="1"/>
-              <a:t>trạng</a:t>
-            </a:r>
-            <a:r>
-              <a:rPr lang="en-US" dirty="0"/>
-              <a:t> </a:t>
-            </a:r>
-            <a:r>
-              <a:rPr lang="en-US" dirty="0" err="1"/>
-              <a:t>không</a:t>
-            </a:r>
-            <a:r>
-              <a:rPr lang="en-US" dirty="0"/>
-              <a:t> </a:t>
-            </a:r>
-            <a:r>
-              <a:rPr lang="en-US" dirty="0" err="1"/>
-              <a:t>luồng</a:t>
-            </a:r>
-            <a:r>
-              <a:rPr lang="en-US" dirty="0"/>
-              <a:t> </a:t>
-            </a:r>
-            <a:r>
-              <a:rPr lang="en-US" dirty="0" err="1"/>
-              <a:t>nào</a:t>
-            </a:r>
-            <a:r>
-              <a:rPr lang="en-US" dirty="0"/>
-              <a:t> </a:t>
-            </a:r>
-            <a:r>
-              <a:rPr lang="en-US" dirty="0" err="1"/>
-              <a:t>chạy</a:t>
-            </a:r>
-            <a:r>
-              <a:rPr lang="en-US" dirty="0"/>
-              <a:t> </a:t>
-            </a:r>
-            <a:r>
-              <a:rPr lang="en-US" dirty="0" err="1"/>
-              <a:t>được</a:t>
-            </a:r>
-            <a:r>
-              <a:rPr lang="en-US" dirty="0"/>
-              <a:t> </a:t>
-            </a:r>
-            <a:r>
-              <a:rPr lang="en-US" dirty="0" err="1"/>
-              <a:t>và</a:t>
-            </a:r>
-            <a:r>
-              <a:rPr lang="en-US" dirty="0"/>
-              <a:t> </a:t>
-            </a:r>
-            <a:r>
-              <a:rPr lang="en-US" dirty="0" err="1"/>
-              <a:t>hệ</a:t>
-            </a:r>
-            <a:r>
-              <a:rPr lang="en-US" dirty="0"/>
-              <a:t> </a:t>
-            </a:r>
-            <a:r>
-              <a:rPr lang="en-US" dirty="0" err="1"/>
-              <a:t>thống</a:t>
-            </a:r>
-            <a:r>
-              <a:rPr lang="en-US" dirty="0"/>
-              <a:t> </a:t>
-            </a:r>
-            <a:r>
-              <a:rPr lang="en-US" dirty="0" err="1"/>
-              <a:t>bị</a:t>
-            </a:r>
-            <a:r>
-              <a:rPr lang="en-US" dirty="0"/>
-              <a:t> </a:t>
-            </a:r>
-            <a:r>
-              <a:rPr lang="en-US" dirty="0" err="1"/>
-              <a:t>đóng</a:t>
-            </a:r>
-            <a:r>
-              <a:rPr lang="en-US" dirty="0"/>
-              <a:t> bang </a:t>
-            </a:r>
-            <a:r>
-              <a:rPr lang="en-US" dirty="0" err="1"/>
-              <a:t>vĩnh</a:t>
-            </a:r>
-            <a:r>
-              <a:rPr lang="en-US" dirty="0"/>
-              <a:t> </a:t>
-            </a:r>
-            <a:r>
-              <a:rPr lang="en-US" dirty="0" err="1"/>
-              <a:t>viễn</a:t>
-            </a:r>
-            <a:r>
-              <a:rPr lang="en-US" dirty="0"/>
-              <a:t> </a:t>
-            </a:r>
-            <a:r>
-              <a:rPr lang="en-US" dirty="0" err="1"/>
-              <a:t>nếu</a:t>
-            </a:r>
-            <a:r>
-              <a:rPr lang="en-US" dirty="0"/>
-              <a:t> </a:t>
-            </a:r>
-            <a:r>
-              <a:rPr lang="en-US" dirty="0" err="1"/>
-              <a:t>không</a:t>
-            </a:r>
-            <a:r>
-              <a:rPr lang="en-US" dirty="0"/>
-              <a:t> </a:t>
-            </a:r>
-            <a:r>
-              <a:rPr lang="en-US" dirty="0" err="1"/>
-              <a:t>có</a:t>
-            </a:r>
-            <a:r>
-              <a:rPr lang="en-US" dirty="0"/>
-              <a:t> can </a:t>
-            </a:r>
-            <a:r>
-              <a:rPr lang="en-US" dirty="0" err="1"/>
-              <a:t>thiệp</a:t>
-            </a:r>
-            <a:r>
-              <a:rPr lang="en-US" dirty="0"/>
-              <a:t>.</a:t>
-            </a:r>
-          </a:p>
-          <a:p>
-            <a:r>
-              <a:rPr lang="en-US" dirty="0"/>
-              <a:t>VD: (</a:t>
-            </a:r>
-            <a:r>
-              <a:rPr lang="en-US" dirty="0" err="1"/>
-              <a:t>Bữa</a:t>
-            </a:r>
-            <a:r>
-              <a:rPr lang="en-US" dirty="0"/>
-              <a:t> </a:t>
-            </a:r>
-            <a:r>
-              <a:rPr lang="en-US" dirty="0" err="1"/>
-              <a:t>ăn</a:t>
-            </a:r>
-            <a:r>
-              <a:rPr lang="en-US" dirty="0"/>
-              <a:t> </a:t>
-            </a:r>
-            <a:r>
-              <a:rPr lang="en-US" dirty="0" err="1"/>
-              <a:t>tối</a:t>
-            </a:r>
-            <a:r>
-              <a:rPr lang="en-US" dirty="0"/>
-              <a:t> </a:t>
-            </a:r>
-            <a:r>
-              <a:rPr lang="en-US" dirty="0" err="1"/>
-              <a:t>của</a:t>
-            </a:r>
-            <a:r>
-              <a:rPr lang="en-US" dirty="0"/>
-              <a:t> </a:t>
-            </a:r>
-            <a:r>
-              <a:rPr lang="en-US" dirty="0" err="1"/>
-              <a:t>triết</a:t>
-            </a:r>
-            <a:r>
-              <a:rPr lang="en-US" dirty="0"/>
-              <a:t> </a:t>
-            </a:r>
-            <a:r>
-              <a:rPr lang="en-US" dirty="0" err="1"/>
-              <a:t>gia</a:t>
-            </a:r>
-            <a:r>
-              <a:rPr lang="en-US" dirty="0"/>
-              <a:t>) M</a:t>
-            </a:r>
-            <a:r>
-              <a:rPr lang="vi-VN" dirty="0"/>
-              <a:t>ột số triết gia ngồi quanh một bàn ăn và mỗi người cần hai cái đũa để ăn mì. Tuy nhiên, chỉ có một cái đũa giữa mỗi cặp triết gia. Nếu mỗi triết gia nhặt lên cái đũa bên trái của họ và sau đó chờ cái đũa bên phải để ăn, họ có thể đều kết thúc với một cái đũa và chờ đợi vô hạn, với mỗi người đều chờ người kế tiếp từ bỏ cái đũa mà họ cần.</a:t>
-            </a:r>
-            <a:endParaRPr lang="en-US" dirty="0"/>
-          </a:p>
-        </p:txBody>
-      </p:sp>
-    </p:spTree>
-    <p:extLst>
-      <p:ext uri="{BB962C8B-B14F-4D97-AF65-F5344CB8AC3E}">
-        <p14:creationId xmlns:p14="http://schemas.microsoft.com/office/powerpoint/2010/main" val="1150616448"/>
-      </p:ext>
-    </p:extLst>
-  </p:cSld>
-  <p:clrMapOvr>
-    <a:masterClrMapping/>
-  </p:clrMapOvr>
-</p:sld>
-</file>
-
-<file path=ppt/slides/slide19.xml><?xml version="1.0" encoding="utf-8"?>
-<p:sld xmlns:a="http://schemas.openxmlformats.org/drawingml/2006/main" xmlns:r="http://schemas.openxmlformats.org/officeDocument/2006/relationships" xmlns:p="http://schemas.openxmlformats.org/presentationml/2006/main">
-  <p:cSld>
-    <p:spTree>
-      <p:nvGrpSpPr>
-        <p:cNvPr id="1" name=""/>
-        <p:cNvGrpSpPr/>
-        <p:nvPr/>
-      </p:nvGrpSpPr>
-      <p:grpSpPr>
-        <a:xfrm>
-          <a:off x="0" y="0"/>
-          <a:ext cx="0" cy="0"/>
-          <a:chOff x="0" y="0"/>
-          <a:chExt cx="0" cy="0"/>
-        </a:xfrm>
-      </p:grpSpPr>
-      <p:sp>
-        <p:nvSpPr>
-          <p:cNvPr id="2" name="Title 1">
-            <a:extLst>
-              <a:ext uri="{FF2B5EF4-FFF2-40B4-BE49-F238E27FC236}">
-                <a16:creationId xmlns:a16="http://schemas.microsoft.com/office/drawing/2014/main" id="{9D9A92CE-6758-5770-4BE3-452136108A70}"/>
-              </a:ext>
-            </a:extLst>
-          </p:cNvPr>
-          <p:cNvSpPr>
-            <a:spLocks noGrp="1"/>
-          </p:cNvSpPr>
-          <p:nvPr>
-            <p:ph type="title"/>
-          </p:nvPr>
-        </p:nvSpPr>
-        <p:spPr/>
-        <p:txBody>
-          <a:bodyPr/>
-          <a:lstStyle/>
-          <a:p>
-            <a:r>
-              <a:rPr lang="en-US" dirty="0"/>
-              <a:t>4. Death Lock</a:t>
-            </a:r>
-          </a:p>
-        </p:txBody>
-      </p:sp>
-      <p:sp>
-        <p:nvSpPr>
-          <p:cNvPr id="3" name="Content Placeholder 2">
-            <a:extLst>
-              <a:ext uri="{FF2B5EF4-FFF2-40B4-BE49-F238E27FC236}">
-                <a16:creationId xmlns:a16="http://schemas.microsoft.com/office/drawing/2014/main" id="{33BE2800-7736-D3E9-DE8E-AC1FD4FA39D1}"/>
-              </a:ext>
-            </a:extLst>
-          </p:cNvPr>
-          <p:cNvSpPr>
-            <a:spLocks noGrp="1"/>
-          </p:cNvSpPr>
-          <p:nvPr>
-            <p:ph idx="1"/>
-          </p:nvPr>
-        </p:nvSpPr>
-        <p:spPr/>
-        <p:txBody>
-          <a:bodyPr>
-            <a:normAutofit lnSpcReduction="10000"/>
-          </a:bodyPr>
-          <a:lstStyle/>
-          <a:p>
-            <a:pPr marL="0" indent="0">
-              <a:buNone/>
-            </a:pPr>
-            <a:r>
-              <a:rPr lang="en-US" dirty="0" err="1"/>
-              <a:t>Một</a:t>
-            </a:r>
-            <a:r>
-              <a:rPr lang="en-US" dirty="0"/>
-              <a:t> Death Lock </a:t>
-            </a:r>
-            <a:r>
-              <a:rPr lang="en-US" dirty="0" err="1"/>
-              <a:t>xảy</a:t>
-            </a:r>
-            <a:r>
-              <a:rPr lang="en-US" dirty="0"/>
-              <a:t> </a:t>
-            </a:r>
-            <a:r>
-              <a:rPr lang="en-US" dirty="0" err="1"/>
-              <a:t>ra</a:t>
-            </a:r>
-            <a:r>
-              <a:rPr lang="en-US" dirty="0"/>
-              <a:t> </a:t>
-            </a:r>
-            <a:r>
-              <a:rPr lang="en-US" dirty="0" err="1"/>
-              <a:t>chỉ</a:t>
-            </a:r>
-            <a:r>
-              <a:rPr lang="en-US" dirty="0"/>
-              <a:t> khi </a:t>
-            </a:r>
-            <a:r>
-              <a:rPr lang="en-US" dirty="0" err="1"/>
-              <a:t>thỏa</a:t>
-            </a:r>
-            <a:r>
-              <a:rPr lang="en-US" dirty="0"/>
-              <a:t> </a:t>
-            </a:r>
-            <a:r>
-              <a:rPr lang="en-US" dirty="0" err="1"/>
-              <a:t>mãn</a:t>
-            </a:r>
-            <a:r>
-              <a:rPr lang="en-US" dirty="0"/>
-              <a:t> 4 </a:t>
-            </a:r>
-            <a:r>
-              <a:rPr lang="en-US" dirty="0" err="1"/>
-              <a:t>điều</a:t>
-            </a:r>
-            <a:r>
-              <a:rPr lang="en-US" dirty="0"/>
-              <a:t> </a:t>
-            </a:r>
-            <a:r>
-              <a:rPr lang="en-US" dirty="0" err="1"/>
-              <a:t>kiện</a:t>
-            </a:r>
-            <a:r>
-              <a:rPr lang="en-US" dirty="0"/>
-              <a:t> </a:t>
-            </a:r>
-            <a:r>
-              <a:rPr lang="en-US" dirty="0" err="1"/>
-              <a:t>của</a:t>
-            </a:r>
-            <a:r>
-              <a:rPr lang="en-US" dirty="0"/>
-              <a:t> Coffman:</a:t>
-            </a:r>
-          </a:p>
-          <a:p>
-            <a:r>
-              <a:rPr lang="en-US" dirty="0" err="1"/>
-              <a:t>Loại</a:t>
-            </a:r>
-            <a:r>
-              <a:rPr lang="en-US" dirty="0"/>
-              <a:t> </a:t>
-            </a:r>
-            <a:r>
-              <a:rPr lang="en-US" dirty="0" err="1"/>
-              <a:t>trừ</a:t>
-            </a:r>
-            <a:r>
-              <a:rPr lang="en-US" dirty="0"/>
-              <a:t> </a:t>
-            </a:r>
-            <a:r>
-              <a:rPr lang="en-US" dirty="0" err="1"/>
-              <a:t>lẫn</a:t>
-            </a:r>
-            <a:r>
-              <a:rPr lang="en-US" dirty="0"/>
-              <a:t> </a:t>
-            </a:r>
-            <a:r>
-              <a:rPr lang="en-US" dirty="0" err="1"/>
-              <a:t>nhau</a:t>
-            </a:r>
-            <a:r>
-              <a:rPr lang="en-US" dirty="0"/>
-              <a:t>: </a:t>
-            </a:r>
-            <a:r>
-              <a:rPr lang="en-US" dirty="0" err="1"/>
-              <a:t>Có</a:t>
-            </a:r>
-            <a:r>
-              <a:rPr lang="en-US" dirty="0"/>
-              <a:t> </a:t>
-            </a:r>
-            <a:r>
-              <a:rPr lang="en-US" dirty="0" err="1"/>
-              <a:t>ít</a:t>
-            </a:r>
-            <a:r>
-              <a:rPr lang="en-US" dirty="0"/>
-              <a:t> </a:t>
-            </a:r>
-            <a:r>
-              <a:rPr lang="en-US" dirty="0" err="1"/>
-              <a:t>nhất</a:t>
-            </a:r>
-            <a:r>
-              <a:rPr lang="en-US" dirty="0"/>
-              <a:t> </a:t>
-            </a:r>
-            <a:r>
-              <a:rPr lang="en-US" dirty="0" err="1"/>
-              <a:t>một</a:t>
-            </a:r>
-            <a:r>
-              <a:rPr lang="en-US" dirty="0"/>
-              <a:t> </a:t>
-            </a:r>
-            <a:r>
-              <a:rPr lang="en-US" dirty="0" err="1"/>
-              <a:t>tài</a:t>
-            </a:r>
-            <a:r>
-              <a:rPr lang="en-US" dirty="0"/>
-              <a:t> </a:t>
-            </a:r>
-            <a:r>
-              <a:rPr lang="en-US" dirty="0" err="1"/>
-              <a:t>nguyên</a:t>
-            </a:r>
-            <a:r>
-              <a:rPr lang="en-US" dirty="0"/>
-              <a:t> </a:t>
-            </a:r>
-            <a:r>
-              <a:rPr lang="en-US" dirty="0" err="1"/>
-              <a:t>không</a:t>
-            </a:r>
-            <a:r>
-              <a:rPr lang="en-US" dirty="0"/>
-              <a:t> </a:t>
-            </a:r>
-            <a:r>
-              <a:rPr lang="en-US" dirty="0" err="1"/>
-              <a:t>thể</a:t>
-            </a:r>
-            <a:r>
-              <a:rPr lang="en-US" dirty="0"/>
-              <a:t> chia </a:t>
-            </a:r>
-            <a:r>
-              <a:rPr lang="en-US" dirty="0" err="1"/>
-              <a:t>sẻ</a:t>
-            </a:r>
-            <a:r>
-              <a:rPr lang="en-US" dirty="0"/>
-              <a:t>, </a:t>
-            </a:r>
-            <a:r>
-              <a:rPr lang="en-US" dirty="0" err="1"/>
-              <a:t>nó</a:t>
-            </a:r>
-            <a:r>
-              <a:rPr lang="en-US" dirty="0"/>
-              <a:t> </a:t>
-            </a:r>
-            <a:r>
-              <a:rPr lang="en-US" dirty="0" err="1"/>
-              <a:t>chỉ</a:t>
-            </a:r>
-            <a:r>
-              <a:rPr lang="en-US" dirty="0"/>
-              <a:t> </a:t>
-            </a:r>
-            <a:r>
-              <a:rPr lang="en-US" dirty="0" err="1"/>
-              <a:t>có</a:t>
-            </a:r>
-            <a:r>
-              <a:rPr lang="en-US" dirty="0"/>
-              <a:t> </a:t>
-            </a:r>
-            <a:r>
-              <a:rPr lang="en-US" dirty="0" err="1"/>
-              <a:t>thể</a:t>
-            </a:r>
-            <a:r>
-              <a:rPr lang="en-US" dirty="0"/>
-              <a:t> </a:t>
-            </a:r>
-            <a:r>
-              <a:rPr lang="en-US" dirty="0" err="1"/>
-              <a:t>được</a:t>
-            </a:r>
-            <a:r>
-              <a:rPr lang="en-US" dirty="0"/>
-              <a:t> </a:t>
-            </a:r>
-            <a:r>
-              <a:rPr lang="en-US" dirty="0" err="1"/>
-              <a:t>giữ</a:t>
-            </a:r>
-            <a:r>
-              <a:rPr lang="en-US" dirty="0"/>
-              <a:t> </a:t>
-            </a:r>
-            <a:r>
-              <a:rPr lang="en-US" dirty="0" err="1"/>
-              <a:t>bởi</a:t>
-            </a:r>
-            <a:r>
-              <a:rPr lang="en-US" dirty="0"/>
-              <a:t> </a:t>
-            </a:r>
-            <a:r>
-              <a:rPr lang="en-US" dirty="0" err="1"/>
-              <a:t>một</a:t>
-            </a:r>
-            <a:r>
-              <a:rPr lang="en-US" dirty="0"/>
-              <a:t> </a:t>
-            </a:r>
-            <a:r>
-              <a:rPr lang="en-US" dirty="0" err="1"/>
-              <a:t>luồng</a:t>
-            </a:r>
-            <a:r>
-              <a:rPr lang="en-US" dirty="0"/>
-              <a:t> </a:t>
-            </a:r>
-            <a:r>
-              <a:rPr lang="en-US" dirty="0" err="1"/>
-              <a:t>tại</a:t>
-            </a:r>
-            <a:r>
-              <a:rPr lang="en-US" dirty="0"/>
-              <a:t> </a:t>
-            </a:r>
-            <a:r>
-              <a:rPr lang="en-US" dirty="0" err="1"/>
-              <a:t>một</a:t>
-            </a:r>
-            <a:r>
-              <a:rPr lang="en-US" dirty="0"/>
-              <a:t> </a:t>
-            </a:r>
-            <a:r>
-              <a:rPr lang="en-US" dirty="0" err="1"/>
-              <a:t>thời</a:t>
-            </a:r>
-            <a:r>
-              <a:rPr lang="en-US" dirty="0"/>
-              <a:t> </a:t>
-            </a:r>
-            <a:r>
-              <a:rPr lang="en-US" dirty="0" err="1"/>
-              <a:t>điểm</a:t>
-            </a:r>
-            <a:r>
-              <a:rPr lang="en-US" dirty="0"/>
-              <a:t>.</a:t>
-            </a:r>
-          </a:p>
-          <a:p>
-            <a:r>
-              <a:rPr lang="en-US" dirty="0" err="1"/>
-              <a:t>Giữ</a:t>
-            </a:r>
-            <a:r>
-              <a:rPr lang="en-US" dirty="0"/>
-              <a:t> </a:t>
-            </a:r>
-            <a:r>
-              <a:rPr lang="en-US" dirty="0" err="1"/>
-              <a:t>và</a:t>
-            </a:r>
-            <a:r>
-              <a:rPr lang="en-US" dirty="0"/>
-              <a:t> </a:t>
-            </a:r>
-            <a:r>
-              <a:rPr lang="en-US" dirty="0" err="1"/>
-              <a:t>chờ</a:t>
-            </a:r>
-            <a:r>
-              <a:rPr lang="en-US" dirty="0"/>
-              <a:t>: </a:t>
-            </a:r>
-            <a:r>
-              <a:rPr lang="en-US" dirty="0" err="1"/>
-              <a:t>Một</a:t>
-            </a:r>
-            <a:r>
-              <a:rPr lang="en-US" dirty="0"/>
-              <a:t> </a:t>
-            </a:r>
-            <a:r>
-              <a:rPr lang="en-US" dirty="0" err="1"/>
-              <a:t>luồng</a:t>
-            </a:r>
-            <a:r>
-              <a:rPr lang="en-US" dirty="0"/>
-              <a:t> </a:t>
-            </a:r>
-            <a:r>
-              <a:rPr lang="en-US" dirty="0" err="1"/>
-              <a:t>đang</a:t>
-            </a:r>
-            <a:r>
-              <a:rPr lang="en-US" dirty="0"/>
-              <a:t> </a:t>
-            </a:r>
-            <a:r>
-              <a:rPr lang="en-US" dirty="0" err="1"/>
-              <a:t>giữ</a:t>
-            </a:r>
-            <a:r>
-              <a:rPr lang="en-US" dirty="0"/>
-              <a:t> </a:t>
-            </a:r>
-            <a:r>
-              <a:rPr lang="en-US" dirty="0" err="1"/>
-              <a:t>tài</a:t>
-            </a:r>
-            <a:r>
-              <a:rPr lang="en-US" dirty="0"/>
-              <a:t> </a:t>
-            </a:r>
-            <a:r>
-              <a:rPr lang="en-US" dirty="0" err="1"/>
-              <a:t>nguyên</a:t>
-            </a:r>
-            <a:r>
-              <a:rPr lang="en-US" dirty="0"/>
-              <a:t> </a:t>
-            </a:r>
-            <a:r>
-              <a:rPr lang="en-US" dirty="0" err="1"/>
-              <a:t>và</a:t>
-            </a:r>
-            <a:r>
-              <a:rPr lang="en-US" dirty="0"/>
-              <a:t> </a:t>
-            </a:r>
-            <a:r>
-              <a:rPr lang="en-US" dirty="0" err="1"/>
-              <a:t>yêu</a:t>
-            </a:r>
-            <a:r>
-              <a:rPr lang="en-US" dirty="0"/>
-              <a:t> </a:t>
-            </a:r>
-            <a:r>
-              <a:rPr lang="en-US" dirty="0" err="1"/>
-              <a:t>cầu</a:t>
-            </a:r>
-            <a:r>
-              <a:rPr lang="en-US" dirty="0"/>
-              <a:t> </a:t>
-            </a:r>
-            <a:r>
-              <a:rPr lang="en-US" dirty="0" err="1"/>
-              <a:t>tài</a:t>
-            </a:r>
-            <a:r>
-              <a:rPr lang="en-US" dirty="0"/>
-              <a:t> </a:t>
-            </a:r>
-            <a:r>
-              <a:rPr lang="en-US" dirty="0" err="1"/>
-              <a:t>nguyên</a:t>
-            </a:r>
-            <a:r>
-              <a:rPr lang="en-US" dirty="0"/>
-              <a:t> </a:t>
-            </a:r>
-            <a:r>
-              <a:rPr lang="en-US" dirty="0" err="1"/>
-              <a:t>từ</a:t>
-            </a:r>
-            <a:r>
-              <a:rPr lang="en-US" dirty="0"/>
-              <a:t> </a:t>
-            </a:r>
-            <a:r>
-              <a:rPr lang="en-US" dirty="0" err="1"/>
-              <a:t>luồng</a:t>
-            </a:r>
-            <a:r>
-              <a:rPr lang="en-US" dirty="0"/>
-              <a:t> </a:t>
-            </a:r>
-            <a:r>
-              <a:rPr lang="en-US" dirty="0" err="1"/>
-              <a:t>khác</a:t>
-            </a:r>
-            <a:r>
-              <a:rPr lang="en-US" dirty="0"/>
-              <a:t>.</a:t>
-            </a:r>
-          </a:p>
-          <a:p>
-            <a:r>
-              <a:rPr lang="en-US" dirty="0" err="1"/>
-              <a:t>Không</a:t>
-            </a:r>
-            <a:r>
-              <a:rPr lang="en-US" dirty="0"/>
-              <a:t> </a:t>
-            </a:r>
-            <a:r>
-              <a:rPr lang="en-US" dirty="0" err="1"/>
-              <a:t>cưỡng</a:t>
-            </a:r>
-            <a:r>
-              <a:rPr lang="en-US" dirty="0"/>
-              <a:t> </a:t>
-            </a:r>
-            <a:r>
-              <a:rPr lang="en-US" dirty="0" err="1"/>
-              <a:t>bức</a:t>
-            </a:r>
-            <a:r>
-              <a:rPr lang="en-US" dirty="0"/>
-              <a:t> </a:t>
-            </a:r>
-            <a:r>
-              <a:rPr lang="en-US" dirty="0" err="1"/>
-              <a:t>từ</a:t>
-            </a:r>
-            <a:r>
-              <a:rPr lang="en-US" dirty="0"/>
-              <a:t> </a:t>
-            </a:r>
-            <a:r>
-              <a:rPr lang="en-US" dirty="0" err="1"/>
-              <a:t>bỏ</a:t>
-            </a:r>
-            <a:r>
-              <a:rPr lang="en-US" dirty="0"/>
-              <a:t>: </a:t>
-            </a:r>
-            <a:r>
-              <a:rPr lang="en-US" dirty="0" err="1"/>
-              <a:t>Luồng</a:t>
-            </a:r>
-            <a:r>
-              <a:rPr lang="en-US" dirty="0"/>
-              <a:t> </a:t>
-            </a:r>
-            <a:r>
-              <a:rPr lang="en-US" dirty="0" err="1"/>
-              <a:t>không</a:t>
-            </a:r>
-            <a:r>
-              <a:rPr lang="en-US" dirty="0"/>
-              <a:t> </a:t>
-            </a:r>
-            <a:r>
-              <a:rPr lang="en-US" dirty="0" err="1"/>
-              <a:t>thể</a:t>
-            </a:r>
-            <a:r>
-              <a:rPr lang="en-US" dirty="0"/>
-              <a:t> </a:t>
-            </a:r>
-            <a:r>
-              <a:rPr lang="en-US" dirty="0" err="1"/>
-              <a:t>tự</a:t>
-            </a:r>
-            <a:r>
-              <a:rPr lang="en-US" dirty="0"/>
-              <a:t> </a:t>
-            </a:r>
-            <a:r>
-              <a:rPr lang="en-US" dirty="0" err="1"/>
-              <a:t>cưỡng</a:t>
-            </a:r>
-            <a:r>
-              <a:rPr lang="en-US" dirty="0"/>
-              <a:t> </a:t>
-            </a:r>
-            <a:r>
-              <a:rPr lang="en-US" dirty="0" err="1"/>
-              <a:t>bức</a:t>
-            </a:r>
-            <a:r>
-              <a:rPr lang="en-US" dirty="0"/>
-              <a:t> </a:t>
-            </a:r>
-            <a:r>
-              <a:rPr lang="en-US" dirty="0" err="1"/>
-              <a:t>từ</a:t>
-            </a:r>
-            <a:r>
-              <a:rPr lang="en-US" dirty="0"/>
-              <a:t> </a:t>
-            </a:r>
-            <a:r>
-              <a:rPr lang="en-US" dirty="0" err="1"/>
-              <a:t>bỏ</a:t>
-            </a:r>
-            <a:r>
-              <a:rPr lang="en-US" dirty="0"/>
-              <a:t> </a:t>
-            </a:r>
-            <a:r>
-              <a:rPr lang="en-US" dirty="0" err="1"/>
-              <a:t>tài</a:t>
-            </a:r>
-            <a:r>
-              <a:rPr lang="en-US" dirty="0"/>
-              <a:t> </a:t>
-            </a:r>
-            <a:r>
-              <a:rPr lang="en-US" dirty="0" err="1"/>
-              <a:t>nguyên</a:t>
-            </a:r>
-            <a:r>
-              <a:rPr lang="en-US" dirty="0"/>
-              <a:t> </a:t>
-            </a:r>
-            <a:r>
-              <a:rPr lang="en-US" dirty="0" err="1"/>
-              <a:t>nếu</a:t>
-            </a:r>
-            <a:r>
-              <a:rPr lang="en-US" dirty="0"/>
-              <a:t> </a:t>
-            </a:r>
-            <a:r>
-              <a:rPr lang="en-US" dirty="0" err="1"/>
-              <a:t>chưa</a:t>
-            </a:r>
-            <a:r>
-              <a:rPr lang="en-US" dirty="0"/>
-              <a:t> </a:t>
-            </a:r>
-            <a:r>
-              <a:rPr lang="en-US" dirty="0" err="1"/>
-              <a:t>hoàn</a:t>
-            </a:r>
-            <a:r>
-              <a:rPr lang="en-US" dirty="0"/>
-              <a:t> </a:t>
-            </a:r>
-            <a:r>
-              <a:rPr lang="en-US" dirty="0" err="1"/>
-              <a:t>thành</a:t>
-            </a:r>
-            <a:r>
-              <a:rPr lang="en-US" dirty="0"/>
-              <a:t> </a:t>
-            </a:r>
-            <a:r>
-              <a:rPr lang="en-US" dirty="0" err="1"/>
-              <a:t>công</a:t>
-            </a:r>
-            <a:r>
-              <a:rPr lang="en-US" dirty="0"/>
-              <a:t> </a:t>
-            </a:r>
-            <a:r>
-              <a:rPr lang="en-US" dirty="0" err="1"/>
-              <a:t>việc</a:t>
-            </a:r>
-            <a:r>
-              <a:rPr lang="en-US" dirty="0"/>
-              <a:t>.</a:t>
-            </a:r>
-          </a:p>
-          <a:p>
-            <a:r>
-              <a:rPr lang="en-US" dirty="0" err="1"/>
-              <a:t>Chờ</a:t>
-            </a:r>
-            <a:r>
-              <a:rPr lang="en-US" dirty="0"/>
-              <a:t> </a:t>
-            </a:r>
-            <a:r>
-              <a:rPr lang="en-US" dirty="0" err="1"/>
-              <a:t>đợi</a:t>
-            </a:r>
-            <a:r>
-              <a:rPr lang="en-US" dirty="0"/>
-              <a:t> </a:t>
-            </a:r>
-            <a:r>
-              <a:rPr lang="en-US" dirty="0" err="1"/>
-              <a:t>vòng</a:t>
-            </a:r>
-            <a:r>
-              <a:rPr lang="en-US" dirty="0"/>
-              <a:t> </a:t>
-            </a:r>
-            <a:r>
-              <a:rPr lang="en-US" dirty="0" err="1"/>
-              <a:t>tròn</a:t>
-            </a:r>
-            <a:r>
-              <a:rPr lang="en-US" dirty="0"/>
-              <a:t>: </a:t>
-            </a:r>
-            <a:r>
-              <a:rPr lang="en-US" dirty="0" err="1"/>
-              <a:t>Có</a:t>
-            </a:r>
-            <a:r>
-              <a:rPr lang="en-US" dirty="0"/>
-              <a:t> </a:t>
-            </a:r>
-            <a:r>
-              <a:rPr lang="en-US" dirty="0" err="1"/>
-              <a:t>một</a:t>
-            </a:r>
-            <a:r>
-              <a:rPr lang="en-US" dirty="0"/>
-              <a:t> </a:t>
-            </a:r>
-            <a:r>
-              <a:rPr lang="en-US" dirty="0" err="1"/>
-              <a:t>chuỗi</a:t>
-            </a:r>
-            <a:r>
-              <a:rPr lang="en-US" dirty="0"/>
-              <a:t> </a:t>
-            </a:r>
-            <a:r>
-              <a:rPr lang="en-US" dirty="0" err="1"/>
-              <a:t>vòng</a:t>
-            </a:r>
-            <a:r>
-              <a:rPr lang="en-US" dirty="0"/>
-              <a:t> </a:t>
-            </a:r>
-            <a:r>
-              <a:rPr lang="en-US" dirty="0" err="1"/>
-              <a:t>tròn</a:t>
-            </a:r>
-            <a:r>
-              <a:rPr lang="en-US" dirty="0"/>
-              <a:t> </a:t>
-            </a:r>
-            <a:r>
-              <a:rPr lang="en-US" dirty="0" err="1"/>
-              <a:t>luồng</a:t>
-            </a:r>
-            <a:r>
-              <a:rPr lang="en-US" dirty="0"/>
-              <a:t> (T1, T2, T3, …) Trong </a:t>
-            </a:r>
-            <a:r>
-              <a:rPr lang="en-US" dirty="0" err="1"/>
-              <a:t>đó</a:t>
-            </a:r>
-            <a:r>
-              <a:rPr lang="en-US" dirty="0"/>
-              <a:t> T1 </a:t>
-            </a:r>
-            <a:r>
-              <a:rPr lang="en-US" dirty="0" err="1"/>
-              <a:t>đợi</a:t>
-            </a:r>
-            <a:r>
-              <a:rPr lang="en-US" dirty="0"/>
-              <a:t> </a:t>
-            </a:r>
-            <a:r>
-              <a:rPr lang="en-US" dirty="0" err="1"/>
-              <a:t>tại</a:t>
-            </a:r>
-            <a:r>
-              <a:rPr lang="en-US" dirty="0"/>
-              <a:t> </a:t>
-            </a:r>
-            <a:r>
-              <a:rPr lang="en-US" dirty="0" err="1"/>
-              <a:t>nguyên</a:t>
-            </a:r>
-            <a:r>
-              <a:rPr lang="en-US" dirty="0"/>
-              <a:t> T2, T2 </a:t>
-            </a:r>
-            <a:r>
-              <a:rPr lang="en-US" dirty="0" err="1"/>
-              <a:t>đợi</a:t>
-            </a:r>
-            <a:r>
-              <a:rPr lang="en-US" dirty="0"/>
-              <a:t> </a:t>
-            </a:r>
-            <a:r>
-              <a:rPr lang="en-US" dirty="0" err="1"/>
-              <a:t>tài</a:t>
-            </a:r>
-            <a:r>
-              <a:rPr lang="en-US" dirty="0"/>
-              <a:t> </a:t>
-            </a:r>
-            <a:r>
-              <a:rPr lang="en-US" dirty="0" err="1"/>
-              <a:t>nguyên</a:t>
-            </a:r>
-            <a:r>
-              <a:rPr lang="en-US" dirty="0"/>
-              <a:t> T3, </a:t>
-            </a:r>
-            <a:r>
-              <a:rPr lang="en-US" dirty="0" err="1"/>
-              <a:t>cứ</a:t>
-            </a:r>
-            <a:r>
-              <a:rPr lang="en-US" dirty="0"/>
-              <a:t> </a:t>
-            </a:r>
-            <a:r>
-              <a:rPr lang="en-US" dirty="0" err="1"/>
-              <a:t>vậy</a:t>
-            </a:r>
-            <a:r>
-              <a:rPr lang="en-US" dirty="0"/>
-              <a:t> </a:t>
-            </a:r>
-            <a:r>
-              <a:rPr lang="en-US" dirty="0" err="1"/>
-              <a:t>đến</a:t>
-            </a:r>
-            <a:r>
-              <a:rPr lang="en-US" dirty="0"/>
-              <a:t> Tn </a:t>
-            </a:r>
-            <a:r>
-              <a:rPr lang="en-US" dirty="0" err="1"/>
-              <a:t>đợi</a:t>
-            </a:r>
-            <a:r>
-              <a:rPr lang="en-US" dirty="0"/>
-              <a:t> </a:t>
-            </a:r>
-            <a:r>
-              <a:rPr lang="en-US" dirty="0" err="1"/>
-              <a:t>tài</a:t>
-            </a:r>
-            <a:r>
-              <a:rPr lang="en-US" dirty="0"/>
-              <a:t> </a:t>
-            </a:r>
-            <a:r>
-              <a:rPr lang="en-US" dirty="0" err="1"/>
-              <a:t>nguyên</a:t>
-            </a:r>
-            <a:r>
-              <a:rPr lang="en-US" dirty="0"/>
-              <a:t> T1.</a:t>
-            </a:r>
-          </a:p>
-        </p:txBody>
-      </p:sp>
-    </p:spTree>
-    <p:extLst>
-      <p:ext uri="{BB962C8B-B14F-4D97-AF65-F5344CB8AC3E}">
-        <p14:creationId xmlns:p14="http://schemas.microsoft.com/office/powerpoint/2010/main" val="2274180515"/>
       </p:ext>
     </p:extLst>
   </p:cSld>
@@ -8354,6 +7397,1270 @@
           <p:cNvPr id="2" name="Title 1">
             <a:extLst>
               <a:ext uri="{FF2B5EF4-FFF2-40B4-BE49-F238E27FC236}">
+                <a16:creationId xmlns:a16="http://schemas.microsoft.com/office/drawing/2014/main" id="{DBB82965-8335-DD80-C4DA-32A9420FF163}"/>
+              </a:ext>
+            </a:extLst>
+          </p:cNvPr>
+          <p:cNvSpPr>
+            <a:spLocks noGrp="1"/>
+          </p:cNvSpPr>
+          <p:nvPr>
+            <p:ph type="title"/>
+          </p:nvPr>
+        </p:nvSpPr>
+        <p:spPr/>
+        <p:txBody>
+          <a:bodyPr/>
+          <a:lstStyle/>
+          <a:p>
+            <a:r>
+              <a:rPr lang="en-US" dirty="0"/>
+              <a:t>4.1 Death Lock</a:t>
+            </a:r>
+          </a:p>
+        </p:txBody>
+      </p:sp>
+      <p:sp>
+        <p:nvSpPr>
+          <p:cNvPr id="3" name="Content Placeholder 2">
+            <a:extLst>
+              <a:ext uri="{FF2B5EF4-FFF2-40B4-BE49-F238E27FC236}">
+                <a16:creationId xmlns:a16="http://schemas.microsoft.com/office/drawing/2014/main" id="{A44DE2A1-C852-34D4-443E-C5D7C4B1F3C7}"/>
+              </a:ext>
+            </a:extLst>
+          </p:cNvPr>
+          <p:cNvSpPr>
+            <a:spLocks noGrp="1"/>
+          </p:cNvSpPr>
+          <p:nvPr>
+            <p:ph idx="1"/>
+          </p:nvPr>
+        </p:nvSpPr>
+        <p:spPr/>
+        <p:txBody>
+          <a:bodyPr/>
+          <a:lstStyle/>
+          <a:p>
+            <a:r>
+              <a:rPr lang="en-US" dirty="0"/>
+              <a:t>Death Lock </a:t>
+            </a:r>
+            <a:r>
+              <a:rPr lang="en-US" dirty="0" err="1"/>
+              <a:t>là</a:t>
+            </a:r>
+            <a:r>
+              <a:rPr lang="en-US" dirty="0"/>
+              <a:t> </a:t>
+            </a:r>
+            <a:r>
+              <a:rPr lang="en-US" dirty="0" err="1"/>
+              <a:t>hiện</a:t>
+            </a:r>
+            <a:r>
+              <a:rPr lang="en-US" dirty="0"/>
+              <a:t> </a:t>
+            </a:r>
+            <a:r>
+              <a:rPr lang="en-US" dirty="0" err="1"/>
+              <a:t>tượng</a:t>
+            </a:r>
+            <a:r>
+              <a:rPr lang="en-US" dirty="0"/>
+              <a:t> </a:t>
+            </a:r>
+            <a:r>
+              <a:rPr lang="en-US" dirty="0" err="1"/>
+              <a:t>nhiều</a:t>
+            </a:r>
+            <a:r>
+              <a:rPr lang="en-US" dirty="0"/>
+              <a:t> </a:t>
+            </a:r>
+            <a:r>
+              <a:rPr lang="en-US" dirty="0" err="1"/>
+              <a:t>luồng</a:t>
+            </a:r>
+            <a:r>
+              <a:rPr lang="en-US" dirty="0"/>
+              <a:t> </a:t>
+            </a:r>
+            <a:r>
+              <a:rPr lang="en-US" dirty="0" err="1"/>
+              <a:t>cần</a:t>
+            </a:r>
+            <a:r>
+              <a:rPr lang="en-US" dirty="0"/>
+              <a:t> </a:t>
+            </a:r>
+            <a:r>
+              <a:rPr lang="en-US" dirty="0" err="1"/>
+              <a:t>đợi</a:t>
+            </a:r>
+            <a:r>
+              <a:rPr lang="en-US" dirty="0"/>
+              <a:t> </a:t>
+            </a:r>
+            <a:r>
+              <a:rPr lang="en-US" dirty="0" err="1"/>
+              <a:t>tài</a:t>
+            </a:r>
+            <a:r>
+              <a:rPr lang="en-US" dirty="0"/>
+              <a:t> </a:t>
+            </a:r>
+            <a:r>
+              <a:rPr lang="en-US" dirty="0" err="1"/>
+              <a:t>nguyên</a:t>
+            </a:r>
+            <a:r>
+              <a:rPr lang="en-US" dirty="0"/>
+              <a:t> </a:t>
+            </a:r>
+            <a:r>
+              <a:rPr lang="en-US" dirty="0" err="1"/>
+              <a:t>từ</a:t>
+            </a:r>
+            <a:r>
+              <a:rPr lang="en-US" dirty="0"/>
+              <a:t> </a:t>
+            </a:r>
+            <a:r>
+              <a:rPr lang="en-US" dirty="0" err="1"/>
+              <a:t>luồng</a:t>
+            </a:r>
+            <a:r>
+              <a:rPr lang="en-US" dirty="0"/>
+              <a:t> </a:t>
+            </a:r>
+            <a:r>
+              <a:rPr lang="en-US" dirty="0" err="1"/>
+              <a:t>khác</a:t>
+            </a:r>
+            <a:r>
+              <a:rPr lang="en-US" dirty="0"/>
+              <a:t>, </a:t>
+            </a:r>
+            <a:r>
+              <a:rPr lang="en-US" dirty="0" err="1"/>
+              <a:t>dẫn</a:t>
+            </a:r>
+            <a:r>
+              <a:rPr lang="en-US" dirty="0"/>
+              <a:t> </a:t>
+            </a:r>
+            <a:r>
+              <a:rPr lang="en-US" dirty="0" err="1"/>
+              <a:t>tới</a:t>
+            </a:r>
+            <a:r>
+              <a:rPr lang="en-US" dirty="0"/>
+              <a:t> </a:t>
+            </a:r>
+            <a:r>
+              <a:rPr lang="en-US" dirty="0" err="1"/>
+              <a:t>tình</a:t>
+            </a:r>
+            <a:r>
+              <a:rPr lang="en-US" dirty="0"/>
+              <a:t> </a:t>
+            </a:r>
+            <a:r>
+              <a:rPr lang="en-US" dirty="0" err="1"/>
+              <a:t>trạng</a:t>
+            </a:r>
+            <a:r>
+              <a:rPr lang="en-US" dirty="0"/>
+              <a:t> </a:t>
+            </a:r>
+            <a:r>
+              <a:rPr lang="en-US" dirty="0" err="1"/>
+              <a:t>không</a:t>
+            </a:r>
+            <a:r>
+              <a:rPr lang="en-US" dirty="0"/>
+              <a:t> </a:t>
+            </a:r>
+            <a:r>
+              <a:rPr lang="en-US" dirty="0" err="1"/>
+              <a:t>luồng</a:t>
+            </a:r>
+            <a:r>
+              <a:rPr lang="en-US" dirty="0"/>
+              <a:t> </a:t>
+            </a:r>
+            <a:r>
+              <a:rPr lang="en-US" dirty="0" err="1"/>
+              <a:t>nào</a:t>
+            </a:r>
+            <a:r>
+              <a:rPr lang="en-US" dirty="0"/>
+              <a:t> </a:t>
+            </a:r>
+            <a:r>
+              <a:rPr lang="en-US" dirty="0" err="1"/>
+              <a:t>chạy</a:t>
+            </a:r>
+            <a:r>
+              <a:rPr lang="en-US" dirty="0"/>
+              <a:t> </a:t>
+            </a:r>
+            <a:r>
+              <a:rPr lang="en-US" dirty="0" err="1"/>
+              <a:t>được</a:t>
+            </a:r>
+            <a:r>
+              <a:rPr lang="en-US" dirty="0"/>
+              <a:t> </a:t>
+            </a:r>
+            <a:r>
+              <a:rPr lang="en-US" dirty="0" err="1"/>
+              <a:t>và</a:t>
+            </a:r>
+            <a:r>
+              <a:rPr lang="en-US" dirty="0"/>
+              <a:t> </a:t>
+            </a:r>
+            <a:r>
+              <a:rPr lang="en-US" dirty="0" err="1"/>
+              <a:t>hệ</a:t>
+            </a:r>
+            <a:r>
+              <a:rPr lang="en-US" dirty="0"/>
+              <a:t> </a:t>
+            </a:r>
+            <a:r>
+              <a:rPr lang="en-US" dirty="0" err="1"/>
+              <a:t>thống</a:t>
+            </a:r>
+            <a:r>
+              <a:rPr lang="en-US" dirty="0"/>
+              <a:t> </a:t>
+            </a:r>
+            <a:r>
+              <a:rPr lang="en-US" dirty="0" err="1"/>
+              <a:t>bị</a:t>
+            </a:r>
+            <a:r>
+              <a:rPr lang="en-US" dirty="0"/>
+              <a:t> </a:t>
+            </a:r>
+            <a:r>
+              <a:rPr lang="en-US" dirty="0" err="1"/>
+              <a:t>đóng</a:t>
+            </a:r>
+            <a:r>
+              <a:rPr lang="en-US" dirty="0"/>
+              <a:t> bang </a:t>
+            </a:r>
+            <a:r>
+              <a:rPr lang="en-US" dirty="0" err="1"/>
+              <a:t>vĩnh</a:t>
+            </a:r>
+            <a:r>
+              <a:rPr lang="en-US" dirty="0"/>
+              <a:t> </a:t>
+            </a:r>
+            <a:r>
+              <a:rPr lang="en-US" dirty="0" err="1"/>
+              <a:t>viễn</a:t>
+            </a:r>
+            <a:r>
+              <a:rPr lang="en-US" dirty="0"/>
+              <a:t> </a:t>
+            </a:r>
+            <a:r>
+              <a:rPr lang="en-US" dirty="0" err="1"/>
+              <a:t>nếu</a:t>
+            </a:r>
+            <a:r>
+              <a:rPr lang="en-US" dirty="0"/>
+              <a:t> </a:t>
+            </a:r>
+            <a:r>
+              <a:rPr lang="en-US" dirty="0" err="1"/>
+              <a:t>không</a:t>
+            </a:r>
+            <a:r>
+              <a:rPr lang="en-US" dirty="0"/>
+              <a:t> </a:t>
+            </a:r>
+            <a:r>
+              <a:rPr lang="en-US" dirty="0" err="1"/>
+              <a:t>có</a:t>
+            </a:r>
+            <a:r>
+              <a:rPr lang="en-US" dirty="0"/>
+              <a:t> can </a:t>
+            </a:r>
+            <a:r>
+              <a:rPr lang="en-US" dirty="0" err="1"/>
+              <a:t>thiệp</a:t>
+            </a:r>
+            <a:r>
+              <a:rPr lang="en-US" dirty="0"/>
+              <a:t>.</a:t>
+            </a:r>
+          </a:p>
+          <a:p>
+            <a:r>
+              <a:rPr lang="en-US" dirty="0"/>
+              <a:t>VD: (</a:t>
+            </a:r>
+            <a:r>
+              <a:rPr lang="en-US" dirty="0" err="1"/>
+              <a:t>Bữa</a:t>
+            </a:r>
+            <a:r>
+              <a:rPr lang="en-US" dirty="0"/>
+              <a:t> </a:t>
+            </a:r>
+            <a:r>
+              <a:rPr lang="en-US" dirty="0" err="1"/>
+              <a:t>ăn</a:t>
+            </a:r>
+            <a:r>
+              <a:rPr lang="en-US" dirty="0"/>
+              <a:t> </a:t>
+            </a:r>
+            <a:r>
+              <a:rPr lang="en-US" dirty="0" err="1"/>
+              <a:t>tối</a:t>
+            </a:r>
+            <a:r>
+              <a:rPr lang="en-US" dirty="0"/>
+              <a:t> </a:t>
+            </a:r>
+            <a:r>
+              <a:rPr lang="en-US" dirty="0" err="1"/>
+              <a:t>của</a:t>
+            </a:r>
+            <a:r>
+              <a:rPr lang="en-US" dirty="0"/>
+              <a:t> </a:t>
+            </a:r>
+            <a:r>
+              <a:rPr lang="en-US" dirty="0" err="1"/>
+              <a:t>triết</a:t>
+            </a:r>
+            <a:r>
+              <a:rPr lang="en-US" dirty="0"/>
+              <a:t> </a:t>
+            </a:r>
+            <a:r>
+              <a:rPr lang="en-US" dirty="0" err="1"/>
+              <a:t>gia</a:t>
+            </a:r>
+            <a:r>
+              <a:rPr lang="en-US" dirty="0"/>
+              <a:t>) M</a:t>
+            </a:r>
+            <a:r>
+              <a:rPr lang="vi-VN" dirty="0"/>
+              <a:t>ột số triết gia ngồi quanh một bàn ăn và mỗi người cần hai cái đũa để ăn mì. Tuy nhiên, chỉ có một cái đũa giữa mỗi cặp triết gia. Nếu mỗi triết gia nhặt lên cái đũa bên trái của họ và sau đó chờ cái đũa bên phải để ăn, họ có thể đều kết thúc với một cái đũa và chờ đợi vô hạn, với mỗi người đều chờ người kế tiếp từ bỏ cái đũa mà họ cần.</a:t>
+            </a:r>
+            <a:endParaRPr lang="en-US" dirty="0"/>
+          </a:p>
+        </p:txBody>
+      </p:sp>
+    </p:spTree>
+    <p:extLst>
+      <p:ext uri="{BB962C8B-B14F-4D97-AF65-F5344CB8AC3E}">
+        <p14:creationId xmlns:p14="http://schemas.microsoft.com/office/powerpoint/2010/main" val="1150616448"/>
+      </p:ext>
+    </p:extLst>
+  </p:cSld>
+  <p:clrMapOvr>
+    <a:masterClrMapping/>
+  </p:clrMapOvr>
+</p:sld>
+</file>
+
+<file path=ppt/slides/slide21.xml><?xml version="1.0" encoding="utf-8"?>
+<p:sld xmlns:a="http://schemas.openxmlformats.org/drawingml/2006/main" xmlns:r="http://schemas.openxmlformats.org/officeDocument/2006/relationships" xmlns:p="http://schemas.openxmlformats.org/presentationml/2006/main">
+  <p:cSld>
+    <p:spTree>
+      <p:nvGrpSpPr>
+        <p:cNvPr id="1" name=""/>
+        <p:cNvGrpSpPr/>
+        <p:nvPr/>
+      </p:nvGrpSpPr>
+      <p:grpSpPr>
+        <a:xfrm>
+          <a:off x="0" y="0"/>
+          <a:ext cx="0" cy="0"/>
+          <a:chOff x="0" y="0"/>
+          <a:chExt cx="0" cy="0"/>
+        </a:xfrm>
+      </p:grpSpPr>
+      <p:sp>
+        <p:nvSpPr>
+          <p:cNvPr id="2" name="Title 1">
+            <a:extLst>
+              <a:ext uri="{FF2B5EF4-FFF2-40B4-BE49-F238E27FC236}">
+                <a16:creationId xmlns:a16="http://schemas.microsoft.com/office/drawing/2014/main" id="{9D9A92CE-6758-5770-4BE3-452136108A70}"/>
+              </a:ext>
+            </a:extLst>
+          </p:cNvPr>
+          <p:cNvSpPr>
+            <a:spLocks noGrp="1"/>
+          </p:cNvSpPr>
+          <p:nvPr>
+            <p:ph type="title"/>
+          </p:nvPr>
+        </p:nvSpPr>
+        <p:spPr/>
+        <p:txBody>
+          <a:bodyPr/>
+          <a:lstStyle/>
+          <a:p>
+            <a:r>
+              <a:rPr lang="en-US" dirty="0"/>
+              <a:t>4. Death Lock</a:t>
+            </a:r>
+          </a:p>
+        </p:txBody>
+      </p:sp>
+      <p:sp>
+        <p:nvSpPr>
+          <p:cNvPr id="3" name="Content Placeholder 2">
+            <a:extLst>
+              <a:ext uri="{FF2B5EF4-FFF2-40B4-BE49-F238E27FC236}">
+                <a16:creationId xmlns:a16="http://schemas.microsoft.com/office/drawing/2014/main" id="{33BE2800-7736-D3E9-DE8E-AC1FD4FA39D1}"/>
+              </a:ext>
+            </a:extLst>
+          </p:cNvPr>
+          <p:cNvSpPr>
+            <a:spLocks noGrp="1"/>
+          </p:cNvSpPr>
+          <p:nvPr>
+            <p:ph idx="1"/>
+          </p:nvPr>
+        </p:nvSpPr>
+        <p:spPr/>
+        <p:txBody>
+          <a:bodyPr>
+            <a:normAutofit lnSpcReduction="10000"/>
+          </a:bodyPr>
+          <a:lstStyle/>
+          <a:p>
+            <a:pPr marL="0" indent="0">
+              <a:buNone/>
+            </a:pPr>
+            <a:r>
+              <a:rPr lang="en-US" dirty="0" err="1"/>
+              <a:t>Một</a:t>
+            </a:r>
+            <a:r>
+              <a:rPr lang="en-US" dirty="0"/>
+              <a:t> Death Lock </a:t>
+            </a:r>
+            <a:r>
+              <a:rPr lang="en-US" dirty="0" err="1"/>
+              <a:t>xảy</a:t>
+            </a:r>
+            <a:r>
+              <a:rPr lang="en-US" dirty="0"/>
+              <a:t> </a:t>
+            </a:r>
+            <a:r>
+              <a:rPr lang="en-US" dirty="0" err="1"/>
+              <a:t>ra</a:t>
+            </a:r>
+            <a:r>
+              <a:rPr lang="en-US" dirty="0"/>
+              <a:t> </a:t>
+            </a:r>
+            <a:r>
+              <a:rPr lang="en-US" dirty="0" err="1"/>
+              <a:t>chỉ</a:t>
+            </a:r>
+            <a:r>
+              <a:rPr lang="en-US" dirty="0"/>
+              <a:t> khi </a:t>
+            </a:r>
+            <a:r>
+              <a:rPr lang="en-US" dirty="0" err="1"/>
+              <a:t>thỏa</a:t>
+            </a:r>
+            <a:r>
+              <a:rPr lang="en-US" dirty="0"/>
+              <a:t> </a:t>
+            </a:r>
+            <a:r>
+              <a:rPr lang="en-US" dirty="0" err="1"/>
+              <a:t>mãn</a:t>
+            </a:r>
+            <a:r>
+              <a:rPr lang="en-US" dirty="0"/>
+              <a:t> 4 </a:t>
+            </a:r>
+            <a:r>
+              <a:rPr lang="en-US" dirty="0" err="1"/>
+              <a:t>điều</a:t>
+            </a:r>
+            <a:r>
+              <a:rPr lang="en-US" dirty="0"/>
+              <a:t> </a:t>
+            </a:r>
+            <a:r>
+              <a:rPr lang="en-US" dirty="0" err="1"/>
+              <a:t>kiện</a:t>
+            </a:r>
+            <a:r>
+              <a:rPr lang="en-US" dirty="0"/>
+              <a:t> </a:t>
+            </a:r>
+            <a:r>
+              <a:rPr lang="en-US" dirty="0" err="1"/>
+              <a:t>của</a:t>
+            </a:r>
+            <a:r>
+              <a:rPr lang="en-US" dirty="0"/>
+              <a:t> Coffman:</a:t>
+            </a:r>
+          </a:p>
+          <a:p>
+            <a:r>
+              <a:rPr lang="en-US" dirty="0" err="1"/>
+              <a:t>Loại</a:t>
+            </a:r>
+            <a:r>
+              <a:rPr lang="en-US" dirty="0"/>
+              <a:t> </a:t>
+            </a:r>
+            <a:r>
+              <a:rPr lang="en-US" dirty="0" err="1"/>
+              <a:t>trừ</a:t>
+            </a:r>
+            <a:r>
+              <a:rPr lang="en-US" dirty="0"/>
+              <a:t> </a:t>
+            </a:r>
+            <a:r>
+              <a:rPr lang="en-US" dirty="0" err="1"/>
+              <a:t>lẫn</a:t>
+            </a:r>
+            <a:r>
+              <a:rPr lang="en-US" dirty="0"/>
+              <a:t> </a:t>
+            </a:r>
+            <a:r>
+              <a:rPr lang="en-US" dirty="0" err="1"/>
+              <a:t>nhau</a:t>
+            </a:r>
+            <a:r>
+              <a:rPr lang="en-US" dirty="0"/>
+              <a:t>: </a:t>
+            </a:r>
+            <a:r>
+              <a:rPr lang="en-US" dirty="0" err="1"/>
+              <a:t>Có</a:t>
+            </a:r>
+            <a:r>
+              <a:rPr lang="en-US" dirty="0"/>
+              <a:t> </a:t>
+            </a:r>
+            <a:r>
+              <a:rPr lang="en-US" dirty="0" err="1"/>
+              <a:t>ít</a:t>
+            </a:r>
+            <a:r>
+              <a:rPr lang="en-US" dirty="0"/>
+              <a:t> </a:t>
+            </a:r>
+            <a:r>
+              <a:rPr lang="en-US" dirty="0" err="1"/>
+              <a:t>nhất</a:t>
+            </a:r>
+            <a:r>
+              <a:rPr lang="en-US" dirty="0"/>
+              <a:t> </a:t>
+            </a:r>
+            <a:r>
+              <a:rPr lang="en-US" dirty="0" err="1"/>
+              <a:t>một</a:t>
+            </a:r>
+            <a:r>
+              <a:rPr lang="en-US" dirty="0"/>
+              <a:t> </a:t>
+            </a:r>
+            <a:r>
+              <a:rPr lang="en-US" dirty="0" err="1"/>
+              <a:t>tài</a:t>
+            </a:r>
+            <a:r>
+              <a:rPr lang="en-US" dirty="0"/>
+              <a:t> </a:t>
+            </a:r>
+            <a:r>
+              <a:rPr lang="en-US" dirty="0" err="1"/>
+              <a:t>nguyên</a:t>
+            </a:r>
+            <a:r>
+              <a:rPr lang="en-US" dirty="0"/>
+              <a:t> </a:t>
+            </a:r>
+            <a:r>
+              <a:rPr lang="en-US" dirty="0" err="1"/>
+              <a:t>không</a:t>
+            </a:r>
+            <a:r>
+              <a:rPr lang="en-US" dirty="0"/>
+              <a:t> </a:t>
+            </a:r>
+            <a:r>
+              <a:rPr lang="en-US" dirty="0" err="1"/>
+              <a:t>thể</a:t>
+            </a:r>
+            <a:r>
+              <a:rPr lang="en-US" dirty="0"/>
+              <a:t> chia </a:t>
+            </a:r>
+            <a:r>
+              <a:rPr lang="en-US" dirty="0" err="1"/>
+              <a:t>sẻ</a:t>
+            </a:r>
+            <a:r>
+              <a:rPr lang="en-US" dirty="0"/>
+              <a:t>, </a:t>
+            </a:r>
+            <a:r>
+              <a:rPr lang="en-US" dirty="0" err="1"/>
+              <a:t>nó</a:t>
+            </a:r>
+            <a:r>
+              <a:rPr lang="en-US" dirty="0"/>
+              <a:t> </a:t>
+            </a:r>
+            <a:r>
+              <a:rPr lang="en-US" dirty="0" err="1"/>
+              <a:t>chỉ</a:t>
+            </a:r>
+            <a:r>
+              <a:rPr lang="en-US" dirty="0"/>
+              <a:t> </a:t>
+            </a:r>
+            <a:r>
+              <a:rPr lang="en-US" dirty="0" err="1"/>
+              <a:t>có</a:t>
+            </a:r>
+            <a:r>
+              <a:rPr lang="en-US" dirty="0"/>
+              <a:t> </a:t>
+            </a:r>
+            <a:r>
+              <a:rPr lang="en-US" dirty="0" err="1"/>
+              <a:t>thể</a:t>
+            </a:r>
+            <a:r>
+              <a:rPr lang="en-US" dirty="0"/>
+              <a:t> </a:t>
+            </a:r>
+            <a:r>
+              <a:rPr lang="en-US" dirty="0" err="1"/>
+              <a:t>được</a:t>
+            </a:r>
+            <a:r>
+              <a:rPr lang="en-US" dirty="0"/>
+              <a:t> </a:t>
+            </a:r>
+            <a:r>
+              <a:rPr lang="en-US" dirty="0" err="1"/>
+              <a:t>giữ</a:t>
+            </a:r>
+            <a:r>
+              <a:rPr lang="en-US" dirty="0"/>
+              <a:t> </a:t>
+            </a:r>
+            <a:r>
+              <a:rPr lang="en-US" dirty="0" err="1"/>
+              <a:t>bởi</a:t>
+            </a:r>
+            <a:r>
+              <a:rPr lang="en-US" dirty="0"/>
+              <a:t> </a:t>
+            </a:r>
+            <a:r>
+              <a:rPr lang="en-US" dirty="0" err="1"/>
+              <a:t>một</a:t>
+            </a:r>
+            <a:r>
+              <a:rPr lang="en-US" dirty="0"/>
+              <a:t> </a:t>
+            </a:r>
+            <a:r>
+              <a:rPr lang="en-US" dirty="0" err="1"/>
+              <a:t>luồng</a:t>
+            </a:r>
+            <a:r>
+              <a:rPr lang="en-US" dirty="0"/>
+              <a:t> </a:t>
+            </a:r>
+            <a:r>
+              <a:rPr lang="en-US" dirty="0" err="1"/>
+              <a:t>tại</a:t>
+            </a:r>
+            <a:r>
+              <a:rPr lang="en-US" dirty="0"/>
+              <a:t> </a:t>
+            </a:r>
+            <a:r>
+              <a:rPr lang="en-US" dirty="0" err="1"/>
+              <a:t>một</a:t>
+            </a:r>
+            <a:r>
+              <a:rPr lang="en-US" dirty="0"/>
+              <a:t> </a:t>
+            </a:r>
+            <a:r>
+              <a:rPr lang="en-US" dirty="0" err="1"/>
+              <a:t>thời</a:t>
+            </a:r>
+            <a:r>
+              <a:rPr lang="en-US" dirty="0"/>
+              <a:t> </a:t>
+            </a:r>
+            <a:r>
+              <a:rPr lang="en-US" dirty="0" err="1"/>
+              <a:t>điểm</a:t>
+            </a:r>
+            <a:r>
+              <a:rPr lang="en-US" dirty="0"/>
+              <a:t>.</a:t>
+            </a:r>
+          </a:p>
+          <a:p>
+            <a:r>
+              <a:rPr lang="en-US" dirty="0" err="1"/>
+              <a:t>Giữ</a:t>
+            </a:r>
+            <a:r>
+              <a:rPr lang="en-US" dirty="0"/>
+              <a:t> </a:t>
+            </a:r>
+            <a:r>
+              <a:rPr lang="en-US" dirty="0" err="1"/>
+              <a:t>và</a:t>
+            </a:r>
+            <a:r>
+              <a:rPr lang="en-US" dirty="0"/>
+              <a:t> </a:t>
+            </a:r>
+            <a:r>
+              <a:rPr lang="en-US" dirty="0" err="1"/>
+              <a:t>chờ</a:t>
+            </a:r>
+            <a:r>
+              <a:rPr lang="en-US" dirty="0"/>
+              <a:t>: </a:t>
+            </a:r>
+            <a:r>
+              <a:rPr lang="en-US" dirty="0" err="1"/>
+              <a:t>Một</a:t>
+            </a:r>
+            <a:r>
+              <a:rPr lang="en-US" dirty="0"/>
+              <a:t> </a:t>
+            </a:r>
+            <a:r>
+              <a:rPr lang="en-US" dirty="0" err="1"/>
+              <a:t>luồng</a:t>
+            </a:r>
+            <a:r>
+              <a:rPr lang="en-US" dirty="0"/>
+              <a:t> </a:t>
+            </a:r>
+            <a:r>
+              <a:rPr lang="en-US" dirty="0" err="1"/>
+              <a:t>đang</a:t>
+            </a:r>
+            <a:r>
+              <a:rPr lang="en-US" dirty="0"/>
+              <a:t> </a:t>
+            </a:r>
+            <a:r>
+              <a:rPr lang="en-US" dirty="0" err="1"/>
+              <a:t>giữ</a:t>
+            </a:r>
+            <a:r>
+              <a:rPr lang="en-US" dirty="0"/>
+              <a:t> </a:t>
+            </a:r>
+            <a:r>
+              <a:rPr lang="en-US" dirty="0" err="1"/>
+              <a:t>tài</a:t>
+            </a:r>
+            <a:r>
+              <a:rPr lang="en-US" dirty="0"/>
+              <a:t> </a:t>
+            </a:r>
+            <a:r>
+              <a:rPr lang="en-US" dirty="0" err="1"/>
+              <a:t>nguyên</a:t>
+            </a:r>
+            <a:r>
+              <a:rPr lang="en-US" dirty="0"/>
+              <a:t> </a:t>
+            </a:r>
+            <a:r>
+              <a:rPr lang="en-US" dirty="0" err="1"/>
+              <a:t>và</a:t>
+            </a:r>
+            <a:r>
+              <a:rPr lang="en-US" dirty="0"/>
+              <a:t> </a:t>
+            </a:r>
+            <a:r>
+              <a:rPr lang="en-US" dirty="0" err="1"/>
+              <a:t>yêu</a:t>
+            </a:r>
+            <a:r>
+              <a:rPr lang="en-US" dirty="0"/>
+              <a:t> </a:t>
+            </a:r>
+            <a:r>
+              <a:rPr lang="en-US" dirty="0" err="1"/>
+              <a:t>cầu</a:t>
+            </a:r>
+            <a:r>
+              <a:rPr lang="en-US" dirty="0"/>
+              <a:t> </a:t>
+            </a:r>
+            <a:r>
+              <a:rPr lang="en-US" dirty="0" err="1"/>
+              <a:t>tài</a:t>
+            </a:r>
+            <a:r>
+              <a:rPr lang="en-US" dirty="0"/>
+              <a:t> </a:t>
+            </a:r>
+            <a:r>
+              <a:rPr lang="en-US" dirty="0" err="1"/>
+              <a:t>nguyên</a:t>
+            </a:r>
+            <a:r>
+              <a:rPr lang="en-US" dirty="0"/>
+              <a:t> </a:t>
+            </a:r>
+            <a:r>
+              <a:rPr lang="en-US" dirty="0" err="1"/>
+              <a:t>từ</a:t>
+            </a:r>
+            <a:r>
+              <a:rPr lang="en-US" dirty="0"/>
+              <a:t> </a:t>
+            </a:r>
+            <a:r>
+              <a:rPr lang="en-US" dirty="0" err="1"/>
+              <a:t>luồng</a:t>
+            </a:r>
+            <a:r>
+              <a:rPr lang="en-US" dirty="0"/>
+              <a:t> </a:t>
+            </a:r>
+            <a:r>
+              <a:rPr lang="en-US" dirty="0" err="1"/>
+              <a:t>khác</a:t>
+            </a:r>
+            <a:r>
+              <a:rPr lang="en-US" dirty="0"/>
+              <a:t>.</a:t>
+            </a:r>
+          </a:p>
+          <a:p>
+            <a:r>
+              <a:rPr lang="en-US" dirty="0" err="1"/>
+              <a:t>Không</a:t>
+            </a:r>
+            <a:r>
+              <a:rPr lang="en-US" dirty="0"/>
+              <a:t> </a:t>
+            </a:r>
+            <a:r>
+              <a:rPr lang="en-US" dirty="0" err="1"/>
+              <a:t>cưỡng</a:t>
+            </a:r>
+            <a:r>
+              <a:rPr lang="en-US" dirty="0"/>
+              <a:t> </a:t>
+            </a:r>
+            <a:r>
+              <a:rPr lang="en-US" dirty="0" err="1"/>
+              <a:t>bức</a:t>
+            </a:r>
+            <a:r>
+              <a:rPr lang="en-US" dirty="0"/>
+              <a:t> </a:t>
+            </a:r>
+            <a:r>
+              <a:rPr lang="en-US" dirty="0" err="1"/>
+              <a:t>từ</a:t>
+            </a:r>
+            <a:r>
+              <a:rPr lang="en-US" dirty="0"/>
+              <a:t> </a:t>
+            </a:r>
+            <a:r>
+              <a:rPr lang="en-US" dirty="0" err="1"/>
+              <a:t>bỏ</a:t>
+            </a:r>
+            <a:r>
+              <a:rPr lang="en-US" dirty="0"/>
+              <a:t>: </a:t>
+            </a:r>
+            <a:r>
+              <a:rPr lang="en-US" dirty="0" err="1"/>
+              <a:t>Luồng</a:t>
+            </a:r>
+            <a:r>
+              <a:rPr lang="en-US" dirty="0"/>
+              <a:t> </a:t>
+            </a:r>
+            <a:r>
+              <a:rPr lang="en-US" dirty="0" err="1"/>
+              <a:t>không</a:t>
+            </a:r>
+            <a:r>
+              <a:rPr lang="en-US" dirty="0"/>
+              <a:t> </a:t>
+            </a:r>
+            <a:r>
+              <a:rPr lang="en-US" dirty="0" err="1"/>
+              <a:t>thể</a:t>
+            </a:r>
+            <a:r>
+              <a:rPr lang="en-US" dirty="0"/>
+              <a:t> </a:t>
+            </a:r>
+            <a:r>
+              <a:rPr lang="en-US" dirty="0" err="1"/>
+              <a:t>tự</a:t>
+            </a:r>
+            <a:r>
+              <a:rPr lang="en-US" dirty="0"/>
+              <a:t> </a:t>
+            </a:r>
+            <a:r>
+              <a:rPr lang="en-US" dirty="0" err="1"/>
+              <a:t>cưỡng</a:t>
+            </a:r>
+            <a:r>
+              <a:rPr lang="en-US" dirty="0"/>
+              <a:t> </a:t>
+            </a:r>
+            <a:r>
+              <a:rPr lang="en-US" dirty="0" err="1"/>
+              <a:t>bức</a:t>
+            </a:r>
+            <a:r>
+              <a:rPr lang="en-US" dirty="0"/>
+              <a:t> </a:t>
+            </a:r>
+            <a:r>
+              <a:rPr lang="en-US" dirty="0" err="1"/>
+              <a:t>từ</a:t>
+            </a:r>
+            <a:r>
+              <a:rPr lang="en-US" dirty="0"/>
+              <a:t> </a:t>
+            </a:r>
+            <a:r>
+              <a:rPr lang="en-US" dirty="0" err="1"/>
+              <a:t>bỏ</a:t>
+            </a:r>
+            <a:r>
+              <a:rPr lang="en-US" dirty="0"/>
+              <a:t> </a:t>
+            </a:r>
+            <a:r>
+              <a:rPr lang="en-US" dirty="0" err="1"/>
+              <a:t>tài</a:t>
+            </a:r>
+            <a:r>
+              <a:rPr lang="en-US" dirty="0"/>
+              <a:t> </a:t>
+            </a:r>
+            <a:r>
+              <a:rPr lang="en-US" dirty="0" err="1"/>
+              <a:t>nguyên</a:t>
+            </a:r>
+            <a:r>
+              <a:rPr lang="en-US" dirty="0"/>
+              <a:t> </a:t>
+            </a:r>
+            <a:r>
+              <a:rPr lang="en-US" dirty="0" err="1"/>
+              <a:t>nếu</a:t>
+            </a:r>
+            <a:r>
+              <a:rPr lang="en-US" dirty="0"/>
+              <a:t> </a:t>
+            </a:r>
+            <a:r>
+              <a:rPr lang="en-US" dirty="0" err="1"/>
+              <a:t>chưa</a:t>
+            </a:r>
+            <a:r>
+              <a:rPr lang="en-US" dirty="0"/>
+              <a:t> </a:t>
+            </a:r>
+            <a:r>
+              <a:rPr lang="en-US" dirty="0" err="1"/>
+              <a:t>hoàn</a:t>
+            </a:r>
+            <a:r>
+              <a:rPr lang="en-US" dirty="0"/>
+              <a:t> </a:t>
+            </a:r>
+            <a:r>
+              <a:rPr lang="en-US" dirty="0" err="1"/>
+              <a:t>thành</a:t>
+            </a:r>
+            <a:r>
+              <a:rPr lang="en-US" dirty="0"/>
+              <a:t> </a:t>
+            </a:r>
+            <a:r>
+              <a:rPr lang="en-US" dirty="0" err="1"/>
+              <a:t>công</a:t>
+            </a:r>
+            <a:r>
+              <a:rPr lang="en-US" dirty="0"/>
+              <a:t> </a:t>
+            </a:r>
+            <a:r>
+              <a:rPr lang="en-US" dirty="0" err="1"/>
+              <a:t>việc</a:t>
+            </a:r>
+            <a:r>
+              <a:rPr lang="en-US" dirty="0"/>
+              <a:t>.</a:t>
+            </a:r>
+          </a:p>
+          <a:p>
+            <a:r>
+              <a:rPr lang="en-US" dirty="0" err="1"/>
+              <a:t>Chờ</a:t>
+            </a:r>
+            <a:r>
+              <a:rPr lang="en-US" dirty="0"/>
+              <a:t> </a:t>
+            </a:r>
+            <a:r>
+              <a:rPr lang="en-US" dirty="0" err="1"/>
+              <a:t>đợi</a:t>
+            </a:r>
+            <a:r>
+              <a:rPr lang="en-US" dirty="0"/>
+              <a:t> </a:t>
+            </a:r>
+            <a:r>
+              <a:rPr lang="en-US" dirty="0" err="1"/>
+              <a:t>vòng</a:t>
+            </a:r>
+            <a:r>
+              <a:rPr lang="en-US" dirty="0"/>
+              <a:t> </a:t>
+            </a:r>
+            <a:r>
+              <a:rPr lang="en-US" dirty="0" err="1"/>
+              <a:t>tròn</a:t>
+            </a:r>
+            <a:r>
+              <a:rPr lang="en-US" dirty="0"/>
+              <a:t>: </a:t>
+            </a:r>
+            <a:r>
+              <a:rPr lang="en-US" dirty="0" err="1"/>
+              <a:t>Có</a:t>
+            </a:r>
+            <a:r>
+              <a:rPr lang="en-US" dirty="0"/>
+              <a:t> </a:t>
+            </a:r>
+            <a:r>
+              <a:rPr lang="en-US" dirty="0" err="1"/>
+              <a:t>một</a:t>
+            </a:r>
+            <a:r>
+              <a:rPr lang="en-US" dirty="0"/>
+              <a:t> </a:t>
+            </a:r>
+            <a:r>
+              <a:rPr lang="en-US" dirty="0" err="1"/>
+              <a:t>chuỗi</a:t>
+            </a:r>
+            <a:r>
+              <a:rPr lang="en-US" dirty="0"/>
+              <a:t> </a:t>
+            </a:r>
+            <a:r>
+              <a:rPr lang="en-US" dirty="0" err="1"/>
+              <a:t>vòng</a:t>
+            </a:r>
+            <a:r>
+              <a:rPr lang="en-US" dirty="0"/>
+              <a:t> </a:t>
+            </a:r>
+            <a:r>
+              <a:rPr lang="en-US" dirty="0" err="1"/>
+              <a:t>tròn</a:t>
+            </a:r>
+            <a:r>
+              <a:rPr lang="en-US" dirty="0"/>
+              <a:t> </a:t>
+            </a:r>
+            <a:r>
+              <a:rPr lang="en-US" dirty="0" err="1"/>
+              <a:t>luồng</a:t>
+            </a:r>
+            <a:r>
+              <a:rPr lang="en-US" dirty="0"/>
+              <a:t> (T1, T2, T3, …) Trong </a:t>
+            </a:r>
+            <a:r>
+              <a:rPr lang="en-US" dirty="0" err="1"/>
+              <a:t>đó</a:t>
+            </a:r>
+            <a:r>
+              <a:rPr lang="en-US" dirty="0"/>
+              <a:t> T1 </a:t>
+            </a:r>
+            <a:r>
+              <a:rPr lang="en-US" dirty="0" err="1"/>
+              <a:t>đợi</a:t>
+            </a:r>
+            <a:r>
+              <a:rPr lang="en-US" dirty="0"/>
+              <a:t> </a:t>
+            </a:r>
+            <a:r>
+              <a:rPr lang="en-US" dirty="0" err="1"/>
+              <a:t>tại</a:t>
+            </a:r>
+            <a:r>
+              <a:rPr lang="en-US" dirty="0"/>
+              <a:t> </a:t>
+            </a:r>
+            <a:r>
+              <a:rPr lang="en-US" dirty="0" err="1"/>
+              <a:t>nguyên</a:t>
+            </a:r>
+            <a:r>
+              <a:rPr lang="en-US" dirty="0"/>
+              <a:t> T2, T2 </a:t>
+            </a:r>
+            <a:r>
+              <a:rPr lang="en-US" dirty="0" err="1"/>
+              <a:t>đợi</a:t>
+            </a:r>
+            <a:r>
+              <a:rPr lang="en-US" dirty="0"/>
+              <a:t> </a:t>
+            </a:r>
+            <a:r>
+              <a:rPr lang="en-US" dirty="0" err="1"/>
+              <a:t>tài</a:t>
+            </a:r>
+            <a:r>
+              <a:rPr lang="en-US" dirty="0"/>
+              <a:t> </a:t>
+            </a:r>
+            <a:r>
+              <a:rPr lang="en-US" dirty="0" err="1"/>
+              <a:t>nguyên</a:t>
+            </a:r>
+            <a:r>
+              <a:rPr lang="en-US" dirty="0"/>
+              <a:t> T3, </a:t>
+            </a:r>
+            <a:r>
+              <a:rPr lang="en-US" dirty="0" err="1"/>
+              <a:t>cứ</a:t>
+            </a:r>
+            <a:r>
+              <a:rPr lang="en-US" dirty="0"/>
+              <a:t> </a:t>
+            </a:r>
+            <a:r>
+              <a:rPr lang="en-US" dirty="0" err="1"/>
+              <a:t>vậy</a:t>
+            </a:r>
+            <a:r>
+              <a:rPr lang="en-US" dirty="0"/>
+              <a:t> </a:t>
+            </a:r>
+            <a:r>
+              <a:rPr lang="en-US" dirty="0" err="1"/>
+              <a:t>đến</a:t>
+            </a:r>
+            <a:r>
+              <a:rPr lang="en-US" dirty="0"/>
+              <a:t> Tn </a:t>
+            </a:r>
+            <a:r>
+              <a:rPr lang="en-US" dirty="0" err="1"/>
+              <a:t>đợi</a:t>
+            </a:r>
+            <a:r>
+              <a:rPr lang="en-US" dirty="0"/>
+              <a:t> </a:t>
+            </a:r>
+            <a:r>
+              <a:rPr lang="en-US" dirty="0" err="1"/>
+              <a:t>tài</a:t>
+            </a:r>
+            <a:r>
+              <a:rPr lang="en-US" dirty="0"/>
+              <a:t> </a:t>
+            </a:r>
+            <a:r>
+              <a:rPr lang="en-US" dirty="0" err="1"/>
+              <a:t>nguyên</a:t>
+            </a:r>
+            <a:r>
+              <a:rPr lang="en-US" dirty="0"/>
+              <a:t> T1.</a:t>
+            </a:r>
+          </a:p>
+        </p:txBody>
+      </p:sp>
+    </p:spTree>
+    <p:extLst>
+      <p:ext uri="{BB962C8B-B14F-4D97-AF65-F5344CB8AC3E}">
+        <p14:creationId xmlns:p14="http://schemas.microsoft.com/office/powerpoint/2010/main" val="2274180515"/>
+      </p:ext>
+    </p:extLst>
+  </p:cSld>
+  <p:clrMapOvr>
+    <a:masterClrMapping/>
+  </p:clrMapOvr>
+</p:sld>
+</file>
+
+<file path=ppt/slides/slide22.xml><?xml version="1.0" encoding="utf-8"?>
+<p:sld xmlns:a="http://schemas.openxmlformats.org/drawingml/2006/main" xmlns:r="http://schemas.openxmlformats.org/officeDocument/2006/relationships" xmlns:p="http://schemas.openxmlformats.org/presentationml/2006/main">
+  <p:cSld>
+    <p:spTree>
+      <p:nvGrpSpPr>
+        <p:cNvPr id="1" name=""/>
+        <p:cNvGrpSpPr/>
+        <p:nvPr/>
+      </p:nvGrpSpPr>
+      <p:grpSpPr>
+        <a:xfrm>
+          <a:off x="0" y="0"/>
+          <a:ext cx="0" cy="0"/>
+          <a:chOff x="0" y="0"/>
+          <a:chExt cx="0" cy="0"/>
+        </a:xfrm>
+      </p:grpSpPr>
+      <p:sp>
+        <p:nvSpPr>
+          <p:cNvPr id="2" name="Title 1">
+            <a:extLst>
+              <a:ext uri="{FF2B5EF4-FFF2-40B4-BE49-F238E27FC236}">
                 <a16:creationId xmlns:a16="http://schemas.microsoft.com/office/drawing/2014/main" id="{6C5AAEC3-FA16-58B2-95A0-8FA0B85B6C41}"/>
               </a:ext>
             </a:extLst>
@@ -8630,7 +8937,7 @@
 </p:sld>
 </file>
 
-<file path=ppt/slides/slide21.xml><?xml version="1.0" encoding="utf-8"?>
+<file path=ppt/slides/slide23.xml><?xml version="1.0" encoding="utf-8"?>
 <p:sld xmlns:a="http://schemas.openxmlformats.org/drawingml/2006/main" xmlns:r="http://schemas.openxmlformats.org/officeDocument/2006/relationships" xmlns:p="http://schemas.openxmlformats.org/presentationml/2006/main">
   <p:cSld>
     <p:spTree>
@@ -10040,7 +10347,15 @@
           <a:p>
             <a:r>
               <a:rPr lang="en-US" dirty="0"/>
-              <a:t>2. Synchronize</a:t>
+              <a:t>2. Synchronize </a:t>
+            </a:r>
+            <a:r>
+              <a:rPr lang="en-US" dirty="0" err="1"/>
+              <a:t>và</a:t>
+            </a:r>
+            <a:r>
+              <a:rPr lang="en-US" dirty="0"/>
+              <a:t> Atomic</a:t>
             </a:r>
           </a:p>
         </p:txBody>
@@ -10123,7 +10438,7 @@
           <a:p>
             <a:r>
               <a:rPr lang="en-US" dirty="0"/>
-              <a:t>2. Synchronize</a:t>
+              <a:t>2.1 Synchronize</a:t>
             </a:r>
           </a:p>
         </p:txBody>
@@ -10936,7 +11251,7 @@
           <p:cNvPr id="2" name="Title 1">
             <a:extLst>
               <a:ext uri="{FF2B5EF4-FFF2-40B4-BE49-F238E27FC236}">
-                <a16:creationId xmlns:a16="http://schemas.microsoft.com/office/drawing/2014/main" id="{1E9CA9C3-BEC4-D815-E66E-8F88C8EF6E8B}"/>
+                <a16:creationId xmlns:a16="http://schemas.microsoft.com/office/drawing/2014/main" id="{CF821203-5209-5C5F-408B-DDB8341FD6F7}"/>
               </a:ext>
             </a:extLst>
           </p:cNvPr>
@@ -10954,17 +11269,17 @@
           <a:p>
             <a:r>
               <a:rPr lang="en-US" dirty="0"/>
-              <a:t>3. Lock</a:t>
+              <a:t>2.2 Atomic </a:t>
             </a:r>
           </a:p>
         </p:txBody>
       </p:sp>
       <p:sp>
         <p:nvSpPr>
-          <p:cNvPr id="3" name="Text Placeholder 2">
+          <p:cNvPr id="3" name="Content Placeholder 2">
             <a:extLst>
               <a:ext uri="{FF2B5EF4-FFF2-40B4-BE49-F238E27FC236}">
-                <a16:creationId xmlns:a16="http://schemas.microsoft.com/office/drawing/2014/main" id="{535C6409-B1EB-1289-3F35-AD76A8B24599}"/>
+                <a16:creationId xmlns:a16="http://schemas.microsoft.com/office/drawing/2014/main" id="{C6F49529-116B-D4CE-D7ED-3F5A923C4E31}"/>
               </a:ext>
             </a:extLst>
           </p:cNvPr>
@@ -10972,7 +11287,7 @@
             <a:spLocks noGrp="1"/>
           </p:cNvSpPr>
           <p:nvPr>
-            <p:ph type="body" idx="1"/>
+            <p:ph idx="1"/>
           </p:nvPr>
         </p:nvSpPr>
         <p:spPr/>
@@ -10980,14 +11295,279 @@
           <a:bodyPr/>
           <a:lstStyle/>
           <a:p>
-            <a:endParaRPr lang="en-US"/>
+            <a:r>
+              <a:rPr lang="en-US" dirty="0" err="1"/>
+              <a:t>Các</a:t>
+            </a:r>
+            <a:r>
+              <a:rPr lang="en-US" dirty="0"/>
+              <a:t> </a:t>
+            </a:r>
+            <a:r>
+              <a:rPr lang="en-US" dirty="0" err="1"/>
+              <a:t>biến</a:t>
+            </a:r>
+            <a:r>
+              <a:rPr lang="en-US" dirty="0"/>
+              <a:t> Atomic </a:t>
+            </a:r>
+            <a:r>
+              <a:rPr lang="en-US" dirty="0" err="1"/>
+              <a:t>là</a:t>
+            </a:r>
+            <a:r>
+              <a:rPr lang="en-US" dirty="0"/>
+              <a:t> </a:t>
+            </a:r>
+            <a:r>
+              <a:rPr lang="en-US" dirty="0" err="1"/>
+              <a:t>những</a:t>
+            </a:r>
+            <a:r>
+              <a:rPr lang="en-US" dirty="0"/>
+              <a:t> </a:t>
+            </a:r>
+            <a:r>
+              <a:rPr lang="en-US" dirty="0" err="1"/>
+              <a:t>biến</a:t>
+            </a:r>
+            <a:r>
+              <a:rPr lang="en-US" dirty="0"/>
+              <a:t> “</a:t>
+            </a:r>
+            <a:r>
+              <a:rPr lang="en-US" dirty="0" err="1"/>
+              <a:t>không</a:t>
+            </a:r>
+            <a:r>
+              <a:rPr lang="en-US" dirty="0"/>
+              <a:t> </a:t>
+            </a:r>
+            <a:r>
+              <a:rPr lang="en-US" dirty="0" err="1"/>
+              <a:t>thể</a:t>
+            </a:r>
+            <a:r>
+              <a:rPr lang="en-US" dirty="0"/>
+              <a:t> </a:t>
+            </a:r>
+            <a:r>
+              <a:rPr lang="en-US" dirty="0" err="1"/>
+              <a:t>bị</a:t>
+            </a:r>
+            <a:r>
+              <a:rPr lang="en-US" dirty="0"/>
+              <a:t> chia </a:t>
+            </a:r>
+            <a:r>
+              <a:rPr lang="en-US" dirty="0" err="1"/>
+              <a:t>cắt</a:t>
+            </a:r>
+            <a:r>
+              <a:rPr lang="en-US" dirty="0"/>
+              <a:t>”.</a:t>
+            </a:r>
+          </a:p>
+          <a:p>
+            <a:r>
+              <a:rPr lang="en-US" dirty="0" err="1"/>
+              <a:t>Những</a:t>
+            </a:r>
+            <a:r>
+              <a:rPr lang="en-US" dirty="0"/>
+              <a:t> </a:t>
+            </a:r>
+            <a:r>
+              <a:rPr lang="en-US" dirty="0" err="1"/>
+              <a:t>luồng</a:t>
+            </a:r>
+            <a:r>
+              <a:rPr lang="en-US" dirty="0"/>
+              <a:t> </a:t>
+            </a:r>
+            <a:r>
+              <a:rPr lang="en-US" dirty="0" err="1"/>
+              <a:t>tác</a:t>
+            </a:r>
+            <a:r>
+              <a:rPr lang="en-US" dirty="0"/>
+              <a:t> </a:t>
+            </a:r>
+            <a:r>
+              <a:rPr lang="en-US" dirty="0" err="1"/>
+              <a:t>động</a:t>
+            </a:r>
+            <a:r>
+              <a:rPr lang="en-US" dirty="0"/>
+              <a:t> </a:t>
+            </a:r>
+            <a:r>
+              <a:rPr lang="en-US" dirty="0" err="1"/>
+              <a:t>lên</a:t>
+            </a:r>
+            <a:r>
+              <a:rPr lang="en-US" dirty="0"/>
+              <a:t> </a:t>
+            </a:r>
+            <a:r>
+              <a:rPr lang="en-US" dirty="0" err="1"/>
+              <a:t>biến</a:t>
+            </a:r>
+            <a:r>
+              <a:rPr lang="en-US" dirty="0"/>
+              <a:t> </a:t>
+            </a:r>
+            <a:r>
+              <a:rPr lang="en-US" dirty="0" err="1"/>
+              <a:t>này</a:t>
+            </a:r>
+            <a:r>
+              <a:rPr lang="en-US" dirty="0"/>
+              <a:t> </a:t>
+            </a:r>
+            <a:r>
+              <a:rPr lang="en-US" dirty="0" err="1"/>
+              <a:t>sẽ</a:t>
+            </a:r>
+            <a:r>
+              <a:rPr lang="en-US" dirty="0"/>
+              <a:t> </a:t>
+            </a:r>
+            <a:r>
+              <a:rPr lang="en-US" dirty="0" err="1"/>
+              <a:t>hoặc</a:t>
+            </a:r>
+            <a:r>
+              <a:rPr lang="en-US" dirty="0"/>
+              <a:t> </a:t>
+            </a:r>
+            <a:r>
+              <a:rPr lang="en-US" dirty="0" err="1"/>
+              <a:t>không</a:t>
+            </a:r>
+            <a:r>
+              <a:rPr lang="en-US" dirty="0"/>
+              <a:t> </a:t>
+            </a:r>
+            <a:r>
+              <a:rPr lang="en-US" dirty="0" err="1"/>
+              <a:t>thực</a:t>
+            </a:r>
+            <a:r>
+              <a:rPr lang="en-US" dirty="0"/>
+              <a:t> </a:t>
+            </a:r>
+            <a:r>
+              <a:rPr lang="en-US" dirty="0" err="1"/>
+              <a:t>hiện</a:t>
+            </a:r>
+            <a:r>
+              <a:rPr lang="en-US" dirty="0"/>
+              <a:t>, </a:t>
+            </a:r>
+            <a:r>
+              <a:rPr lang="en-US" dirty="0" err="1"/>
+              <a:t>hoặc</a:t>
+            </a:r>
+            <a:r>
+              <a:rPr lang="en-US" dirty="0"/>
+              <a:t> </a:t>
+            </a:r>
+            <a:r>
+              <a:rPr lang="en-US" dirty="0" err="1"/>
+              <a:t>hoàn</a:t>
+            </a:r>
+            <a:r>
+              <a:rPr lang="en-US" dirty="0"/>
+              <a:t> </a:t>
+            </a:r>
+            <a:r>
+              <a:rPr lang="en-US" dirty="0" err="1"/>
+              <a:t>thành</a:t>
+            </a:r>
+            <a:r>
+              <a:rPr lang="en-US" dirty="0"/>
+              <a:t> </a:t>
+            </a:r>
+            <a:r>
+              <a:rPr lang="en-US" dirty="0" err="1"/>
+              <a:t>mà</a:t>
+            </a:r>
+            <a:r>
+              <a:rPr lang="en-US" dirty="0"/>
+              <a:t> </a:t>
+            </a:r>
+            <a:r>
+              <a:rPr lang="en-US" dirty="0" err="1"/>
+              <a:t>không</a:t>
+            </a:r>
+            <a:r>
+              <a:rPr lang="en-US" dirty="0"/>
+              <a:t> </a:t>
+            </a:r>
+            <a:r>
+              <a:rPr lang="en-US" dirty="0" err="1"/>
+              <a:t>bị</a:t>
+            </a:r>
+            <a:r>
+              <a:rPr lang="en-US" dirty="0"/>
+              <a:t> </a:t>
+            </a:r>
+            <a:r>
+              <a:rPr lang="en-US" dirty="0" err="1"/>
+              <a:t>các</a:t>
+            </a:r>
+            <a:r>
+              <a:rPr lang="en-US" dirty="0"/>
+              <a:t> </a:t>
+            </a:r>
+            <a:r>
+              <a:rPr lang="en-US" dirty="0" err="1"/>
+              <a:t>luồng</a:t>
+            </a:r>
+            <a:r>
+              <a:rPr lang="en-US" dirty="0"/>
+              <a:t> </a:t>
+            </a:r>
+            <a:r>
+              <a:rPr lang="en-US" dirty="0" err="1"/>
+              <a:t>khác</a:t>
+            </a:r>
+            <a:r>
+              <a:rPr lang="en-US" dirty="0"/>
+              <a:t> </a:t>
+            </a:r>
+            <a:r>
+              <a:rPr lang="en-US" dirty="0" err="1"/>
+              <a:t>tác</a:t>
+            </a:r>
+            <a:r>
+              <a:rPr lang="en-US" dirty="0"/>
+              <a:t> </a:t>
+            </a:r>
+            <a:r>
+              <a:rPr lang="en-US" dirty="0" err="1"/>
+              <a:t>động</a:t>
+            </a:r>
+            <a:r>
+              <a:rPr lang="en-US" dirty="0"/>
+              <a:t> </a:t>
+            </a:r>
+            <a:r>
+              <a:rPr lang="en-US" dirty="0" err="1"/>
+              <a:t>vào</a:t>
+            </a:r>
+            <a:r>
+              <a:rPr lang="en-US" dirty="0"/>
+              <a:t>.</a:t>
+            </a:r>
           </a:p>
         </p:txBody>
       </p:sp>
     </p:spTree>
     <p:extLst>
       <p:ext uri="{BB962C8B-B14F-4D97-AF65-F5344CB8AC3E}">
-        <p14:creationId xmlns:p14="http://schemas.microsoft.com/office/powerpoint/2010/main" val="2355218128"/>
+        <p14:creationId xmlns:p14="http://schemas.microsoft.com/office/powerpoint/2010/main" val="2490793621"/>
       </p:ext>
     </p:extLst>
   </p:cSld>
@@ -11019,7 +11599,7 @@
           <p:cNvPr id="2" name="Title 1">
             <a:extLst>
               <a:ext uri="{FF2B5EF4-FFF2-40B4-BE49-F238E27FC236}">
-                <a16:creationId xmlns:a16="http://schemas.microsoft.com/office/drawing/2014/main" id="{61CE230B-BA44-CF0A-0C65-929D2A315699}"/>
+                <a16:creationId xmlns:a16="http://schemas.microsoft.com/office/drawing/2014/main" id="{23C0E614-27AF-8EC4-F277-53822887BC6A}"/>
               </a:ext>
             </a:extLst>
           </p:cNvPr>
@@ -11037,63 +11617,71 @@
           <a:p>
             <a:r>
               <a:rPr lang="en-US" dirty="0"/>
-              <a:t>3. Lock</a:t>
+              <a:t>2.2 Atomic</a:t>
             </a:r>
           </a:p>
         </p:txBody>
       </p:sp>
-      <p:sp>
-        <p:nvSpPr>
-          <p:cNvPr id="3" name="Content Placeholder 2">
+      <p:pic>
+        <p:nvPicPr>
+          <p:cNvPr id="5" name="Content Placeholder 4">
             <a:extLst>
               <a:ext uri="{FF2B5EF4-FFF2-40B4-BE49-F238E27FC236}">
-                <a16:creationId xmlns:a16="http://schemas.microsoft.com/office/drawing/2014/main" id="{C9F3C6E8-E0C6-99DB-82D4-9656944A0226}"/>
+                <a16:creationId xmlns:a16="http://schemas.microsoft.com/office/drawing/2014/main" id="{B88F0A27-EEF2-D3E5-A7D7-EDC33ED07861}"/>
               </a:ext>
             </a:extLst>
           </p:cNvPr>
-          <p:cNvSpPr>
-            <a:spLocks noGrp="1"/>
-          </p:cNvSpPr>
+          <p:cNvPicPr>
+            <a:picLocks noGrp="1" noChangeAspect="1"/>
+          </p:cNvPicPr>
           <p:nvPr>
             <p:ph idx="1"/>
           </p:nvPr>
+        </p:nvPicPr>
+        <p:blipFill>
+          <a:blip r:embed="rId2"/>
+          <a:stretch>
+            <a:fillRect/>
+          </a:stretch>
+        </p:blipFill>
+        <p:spPr>
+          <a:xfrm>
+            <a:off x="2908136" y="1828519"/>
+            <a:ext cx="6375728" cy="3365673"/>
+          </a:xfrm>
+        </p:spPr>
+      </p:pic>
+      <p:sp>
+        <p:nvSpPr>
+          <p:cNvPr id="7" name="TextBox 6">
+            <a:extLst>
+              <a:ext uri="{FF2B5EF4-FFF2-40B4-BE49-F238E27FC236}">
+                <a16:creationId xmlns:a16="http://schemas.microsoft.com/office/drawing/2014/main" id="{349B9F96-2680-C339-63A0-61BD8E64B7C7}"/>
+              </a:ext>
+            </a:extLst>
+          </p:cNvPr>
+          <p:cNvSpPr txBox="1"/>
+          <p:nvPr/>
         </p:nvSpPr>
-        <p:spPr/>
+        <p:spPr>
+          <a:xfrm>
+            <a:off x="5273040" y="5332023"/>
+            <a:ext cx="2174240" cy="369332"/>
+          </a:xfrm>
+          <a:prstGeom prst="rect">
+            <a:avLst/>
+          </a:prstGeom>
+          <a:noFill/>
+        </p:spPr>
         <p:txBody>
-          <a:bodyPr/>
+          <a:bodyPr wrap="square" rtlCol="0">
+            <a:spAutoFit/>
+          </a:bodyPr>
           <a:lstStyle/>
           <a:p>
             <a:r>
-              <a:rPr lang="en-US" dirty="0"/>
-              <a:t>Lock </a:t>
-            </a:r>
-            <a:r>
-              <a:rPr lang="en-US" dirty="0" err="1"/>
-              <a:t>giúp</a:t>
-            </a:r>
-            <a:r>
-              <a:rPr lang="en-US" dirty="0"/>
-              <a:t> </a:t>
-            </a:r>
-            <a:r>
-              <a:rPr lang="en-US" dirty="0" err="1"/>
-              <a:t>quản</a:t>
-            </a:r>
-            <a:r>
-              <a:rPr lang="en-US" dirty="0"/>
-              <a:t> </a:t>
-            </a:r>
-            <a:r>
-              <a:rPr lang="en-US" dirty="0" err="1"/>
-              <a:t>lí</a:t>
-            </a:r>
-            <a:r>
-              <a:rPr lang="en-US" dirty="0"/>
-              <a:t> </a:t>
-            </a:r>
-            <a:r>
-              <a:rPr lang="en-US" dirty="0" err="1"/>
-              <a:t>tài</a:t>
+              <a:rPr lang="en-US" dirty="0" err="1"/>
+              <a:t>Biến</a:t>
             </a:r>
             <a:r>
               <a:rPr lang="en-US" dirty="0"/>
@@ -11109,107 +11697,16 @@
             </a:r>
             <a:r>
               <a:rPr lang="en-US" dirty="0" err="1"/>
-              <a:t>sử</a:t>
-            </a:r>
-            <a:r>
-              <a:rPr lang="en-US" dirty="0"/>
-              <a:t> </a:t>
-            </a:r>
-            <a:r>
-              <a:rPr lang="en-US" dirty="0" err="1"/>
-              <a:t>dụng</a:t>
-            </a:r>
-            <a:r>
-              <a:rPr lang="en-US" dirty="0"/>
-              <a:t> </a:t>
-            </a:r>
-            <a:r>
-              <a:rPr lang="en-US" dirty="0" err="1"/>
-              <a:t>giữa</a:t>
-            </a:r>
-            <a:r>
-              <a:rPr lang="en-US" dirty="0"/>
-              <a:t> </a:t>
-            </a:r>
-            <a:r>
-              <a:rPr lang="en-US" dirty="0" err="1"/>
-              <a:t>các</a:t>
-            </a:r>
-            <a:r>
-              <a:rPr lang="en-US" dirty="0"/>
-              <a:t> </a:t>
-            </a:r>
-            <a:r>
-              <a:rPr lang="en-US" dirty="0" err="1"/>
-              <a:t>luồng</a:t>
-            </a:r>
-            <a:r>
-              <a:rPr lang="en-US" dirty="0"/>
-              <a:t>. </a:t>
-            </a:r>
-            <a:r>
-              <a:rPr lang="en-US" dirty="0" err="1"/>
-              <a:t>Một</a:t>
-            </a:r>
-            <a:r>
-              <a:rPr lang="en-US" dirty="0"/>
-              <a:t> </a:t>
-            </a:r>
-            <a:r>
-              <a:rPr lang="en-US" dirty="0" err="1"/>
-              <a:t>số</a:t>
-            </a:r>
-            <a:r>
-              <a:rPr lang="en-US" dirty="0"/>
-              <a:t> </a:t>
-            </a:r>
-            <a:r>
-              <a:rPr lang="en-US" dirty="0" err="1"/>
-              <a:t>loại</a:t>
-            </a:r>
-            <a:r>
-              <a:rPr lang="en-US" dirty="0"/>
-              <a:t> lock </a:t>
-            </a:r>
-            <a:r>
-              <a:rPr lang="en-US" dirty="0" err="1"/>
-              <a:t>chính</a:t>
-            </a:r>
-            <a:r>
-              <a:rPr lang="en-US" dirty="0"/>
-              <a:t>: </a:t>
-            </a:r>
-            <a:r>
-              <a:rPr lang="en-US" dirty="0" err="1"/>
-              <a:t>ReentryLock</a:t>
-            </a:r>
-            <a:r>
-              <a:rPr lang="en-US" dirty="0"/>
-              <a:t>, </a:t>
-            </a:r>
-            <a:r>
-              <a:rPr lang="en-US" dirty="0" err="1"/>
-              <a:t>ReadWriteLock</a:t>
-            </a:r>
-            <a:r>
-              <a:rPr lang="en-US" dirty="0"/>
-              <a:t>, </a:t>
-            </a:r>
-            <a:r>
-              <a:rPr lang="en-US" dirty="0" err="1"/>
-              <a:t>StempedLock</a:t>
-            </a:r>
-            <a:r>
-              <a:rPr lang="en-US" dirty="0"/>
-              <a:t>, Semaphore.</a:t>
-            </a:r>
+              <a:t>tử</a:t>
+            </a:r>
+            <a:endParaRPr lang="en-US" dirty="0"/>
           </a:p>
         </p:txBody>
       </p:sp>
     </p:spTree>
     <p:extLst>
       <p:ext uri="{BB962C8B-B14F-4D97-AF65-F5344CB8AC3E}">
-        <p14:creationId xmlns:p14="http://schemas.microsoft.com/office/powerpoint/2010/main" val="4268202673"/>
+        <p14:creationId xmlns:p14="http://schemas.microsoft.com/office/powerpoint/2010/main" val="3718827929"/>
       </p:ext>
     </p:extLst>
   </p:cSld>
